--- a/causalAi_chatBot/Chatbot.pptx
+++ b/causalAi_chatBot/Chatbot.pptx
@@ -5,14 +5,14 @@
     <p:sldMasterId id="2147483648" r:id="rId1"/>
   </p:sldMasterIdLst>
   <p:notesMasterIdLst>
-    <p:notesMasterId r:id="rId18"/>
+    <p:notesMasterId r:id="rId20"/>
   </p:notesMasterIdLst>
   <p:sldIdLst>
     <p:sldId id="256" r:id="rId2"/>
     <p:sldId id="257" r:id="rId3"/>
-    <p:sldId id="258" r:id="rId4"/>
-    <p:sldId id="259" r:id="rId5"/>
-    <p:sldId id="260" r:id="rId6"/>
+    <p:sldId id="260" r:id="rId4"/>
+    <p:sldId id="258" r:id="rId5"/>
+    <p:sldId id="259" r:id="rId6"/>
     <p:sldId id="261" r:id="rId7"/>
     <p:sldId id="262" r:id="rId8"/>
     <p:sldId id="263" r:id="rId9"/>
@@ -24,17 +24,19 @@
     <p:sldId id="272" r:id="rId15"/>
     <p:sldId id="273" r:id="rId16"/>
     <p:sldId id="268" r:id="rId17"/>
+    <p:sldId id="275" r:id="rId18"/>
+    <p:sldId id="274" r:id="rId19"/>
   </p:sldIdLst>
   <p:sldSz cx="18288000" cy="10287000"/>
   <p:notesSz cx="6858000" cy="9144000"/>
   <p:embeddedFontLst>
     <p:embeddedFont>
       <p:font typeface="Arimo" panose="02020500000000000000" charset="0"/>
-      <p:regular r:id="rId19"/>
+      <p:regular r:id="rId21"/>
     </p:embeddedFont>
     <p:embeddedFont>
       <p:font typeface="Arimo Bold" panose="02020500000000000000" charset="0"/>
-      <p:regular r:id="rId20"/>
+      <p:regular r:id="rId22"/>
     </p:embeddedFont>
   </p:embeddedFontLst>
   <p:defaultTextStyle>
@@ -233,7 +235,7 @@
           <a:p>
             <a:fld id="{B7268E1E-0E44-426D-905E-8AD9B19D2182}" type="datetimeFigureOut">
               <a:rPr lang="cs-CZ" smtClean="0"/>
-              <a:t>30.07.2024</a:t>
+              <a:t>02.08.2024</a:t>
             </a:fld>
             <a:endParaRPr lang="cs-CZ"/>
           </a:p>
@@ -595,8 +597,8 @@
         </p:nvSpPr>
         <p:spPr>
           <a:xfrm>
-            <a:off x="2857500" y="512763"/>
-            <a:ext cx="3429000" cy="2566987"/>
+            <a:off x="2290763" y="512763"/>
+            <a:ext cx="4562475" cy="2566987"/>
           </a:xfrm>
           <a:prstGeom prst="rect">
             <a:avLst/>
@@ -2270,6 +2272,449 @@
 </p:notes>
 </file>
 
+<file path=ppt/notesSlides/notesSlide17.xml><?xml version="1.0" encoding="utf-8"?>
+<p:notes xmlns:a="http://schemas.openxmlformats.org/drawingml/2006/main" xmlns:r="http://schemas.openxmlformats.org/officeDocument/2006/relationships" xmlns:p="http://schemas.openxmlformats.org/presentationml/2006/main">
+  <p:cSld>
+    <p:spTree>
+      <p:nvGrpSpPr>
+        <p:cNvPr id="1" name=""/>
+        <p:cNvGrpSpPr/>
+        <p:nvPr/>
+      </p:nvGrpSpPr>
+      <p:grpSpPr>
+        <a:xfrm>
+          <a:off x="0" y="0"/>
+          <a:ext cx="0" cy="0"/>
+          <a:chOff x="0" y="0"/>
+          <a:chExt cx="0" cy="0"/>
+        </a:xfrm>
+      </p:grpSpPr>
+      <p:sp>
+        <p:nvSpPr>
+          <p:cNvPr id="2" name="Header Placeholder 1"/>
+          <p:cNvSpPr>
+            <a:spLocks noGrp="1"/>
+          </p:cNvSpPr>
+          <p:nvPr>
+            <p:ph type="hdr" sz="quarter"/>
+          </p:nvPr>
+        </p:nvSpPr>
+        <p:spPr>
+          <a:xfrm>
+            <a:off x="0" y="0"/>
+            <a:ext cx="3962400" cy="342900"/>
+          </a:xfrm>
+          <a:prstGeom prst="rect">
+            <a:avLst/>
+          </a:prstGeom>
+        </p:spPr>
+        <p:txBody>
+          <a:bodyPr vert="horz" lIns="91440" tIns="45720" rIns="91440" bIns="45720" rtlCol="0"/>
+          <a:lstStyle>
+            <a:lvl1pPr algn="l">
+              <a:defRPr sz="1200"/>
+            </a:lvl1pPr>
+          </a:lstStyle>
+          <a:p>
+            <a:endParaRPr/>
+          </a:p>
+        </p:txBody>
+      </p:sp>
+      <p:sp>
+        <p:nvSpPr>
+          <p:cNvPr id="3" name="Date Placeholder 2"/>
+          <p:cNvSpPr>
+            <a:spLocks noGrp="1"/>
+          </p:cNvSpPr>
+          <p:nvPr>
+            <p:ph type="dt" idx="1"/>
+          </p:nvPr>
+        </p:nvSpPr>
+        <p:spPr>
+          <a:xfrm>
+            <a:off x="5180013" y="0"/>
+            <a:ext cx="3962400" cy="342900"/>
+          </a:xfrm>
+          <a:prstGeom prst="rect">
+            <a:avLst/>
+          </a:prstGeom>
+        </p:spPr>
+        <p:txBody>
+          <a:bodyPr vert="horz" lIns="91440" tIns="45720" rIns="91440" bIns="45720" rtlCol="0"/>
+          <a:lstStyle>
+            <a:lvl1pPr algn="r">
+              <a:defRPr sz="1200"/>
+            </a:lvl1pPr>
+          </a:lstStyle>
+          <a:p>
+            <a:r>
+              <a:rPr lang="cs-CZ"/>
+              <a:t>1.7.2013</a:t>
+            </a:r>
+          </a:p>
+        </p:txBody>
+      </p:sp>
+      <p:sp>
+        <p:nvSpPr>
+          <p:cNvPr id="4" name="Slide Image Placeholder 3"/>
+          <p:cNvSpPr>
+            <a:spLocks noGrp="1" noRot="1" noChangeAspect="1"/>
+          </p:cNvSpPr>
+          <p:nvPr>
+            <p:ph type="sldImg" idx="2"/>
+          </p:nvPr>
+        </p:nvSpPr>
+        <p:spPr>
+          <a:xfrm>
+            <a:off x="2290763" y="512763"/>
+            <a:ext cx="4562475" cy="2566987"/>
+          </a:xfrm>
+          <a:prstGeom prst="rect">
+            <a:avLst/>
+          </a:prstGeom>
+          <a:noFill/>
+          <a:ln w="12700">
+            <a:solidFill>
+              <a:prstClr val="black"/>
+            </a:solidFill>
+          </a:ln>
+        </p:spPr>
+        <p:txBody>
+          <a:bodyPr vert="horz" lIns="91440" tIns="45720" rIns="91440" bIns="45720" rtlCol="0" anchor="ctr"/>
+          <a:lstStyle/>
+          <a:p>
+            <a:endParaRPr/>
+          </a:p>
+        </p:txBody>
+      </p:sp>
+      <p:sp>
+        <p:nvSpPr>
+          <p:cNvPr id="5" name="Notes Placeholder 4"/>
+          <p:cNvSpPr>
+            <a:spLocks noGrp="1"/>
+          </p:cNvSpPr>
+          <p:nvPr>
+            <p:ph type="body" sz="quarter" idx="3"/>
+          </p:nvPr>
+        </p:nvSpPr>
+        <p:spPr>
+          <a:xfrm>
+            <a:off x="914400" y="3251200"/>
+            <a:ext cx="7315200" cy="3081338"/>
+          </a:xfrm>
+          <a:prstGeom prst="rect">
+            <a:avLst/>
+          </a:prstGeom>
+        </p:spPr>
+        <p:txBody>
+          <a:bodyPr vert="horz" lIns="91440" tIns="45720" rIns="91440" bIns="45720" rtlCol="0"/>
+          <a:lstStyle/>
+          <a:p>
+            <a:endParaRPr lang="en-US" dirty="0"/>
+          </a:p>
+        </p:txBody>
+      </p:sp>
+      <p:sp>
+        <p:nvSpPr>
+          <p:cNvPr id="6" name="Footer Placeholder 5"/>
+          <p:cNvSpPr>
+            <a:spLocks noGrp="1"/>
+          </p:cNvSpPr>
+          <p:nvPr>
+            <p:ph type="ftr" sz="quarter" idx="4"/>
+          </p:nvPr>
+        </p:nvSpPr>
+        <p:spPr>
+          <a:xfrm>
+            <a:off x="0" y="6502400"/>
+            <a:ext cx="3962400" cy="341313"/>
+          </a:xfrm>
+          <a:prstGeom prst="rect">
+            <a:avLst/>
+          </a:prstGeom>
+        </p:spPr>
+        <p:txBody>
+          <a:bodyPr vert="horz" lIns="91440" tIns="45720" rIns="91440" bIns="45720" rtlCol="0" anchor="b"/>
+          <a:lstStyle>
+            <a:lvl1pPr algn="l">
+              <a:defRPr sz="1200"/>
+            </a:lvl1pPr>
+          </a:lstStyle>
+          <a:p>
+            <a:endParaRPr/>
+          </a:p>
+        </p:txBody>
+      </p:sp>
+      <p:sp>
+        <p:nvSpPr>
+          <p:cNvPr id="7" name="Slide Number Placeholder 6"/>
+          <p:cNvSpPr>
+            <a:spLocks noGrp="1"/>
+          </p:cNvSpPr>
+          <p:nvPr>
+            <p:ph type="sldNum" sz="quarter" idx="5"/>
+          </p:nvPr>
+        </p:nvSpPr>
+        <p:spPr>
+          <a:xfrm>
+            <a:off x="5180013" y="6502400"/>
+            <a:ext cx="3962400" cy="341313"/>
+          </a:xfrm>
+          <a:prstGeom prst="rect">
+            <a:avLst/>
+          </a:prstGeom>
+        </p:spPr>
+        <p:txBody>
+          <a:bodyPr vert="horz" lIns="91440" tIns="45720" rIns="91440" bIns="45720" rtlCol="0" anchor="b"/>
+          <a:lstStyle>
+            <a:lvl1pPr algn="r">
+              <a:defRPr sz="1200"/>
+            </a:lvl1pPr>
+          </a:lstStyle>
+          <a:p>
+            <a:r>
+              <a:rPr lang="cs-CZ"/>
+              <a:t>‹#›</a:t>
+            </a:r>
+          </a:p>
+        </p:txBody>
+      </p:sp>
+    </p:spTree>
+    <p:extLst>
+      <p:ext uri="{BB962C8B-B14F-4D97-AF65-F5344CB8AC3E}">
+        <p14:creationId xmlns:p14="http://schemas.microsoft.com/office/powerpoint/2010/main" val="3911942926"/>
+      </p:ext>
+    </p:extLst>
+  </p:cSld>
+  <p:clrMapOvr>
+    <a:masterClrMapping/>
+  </p:clrMapOvr>
+</p:notes>
+</file>
+
+<file path=ppt/notesSlides/notesSlide18.xml><?xml version="1.0" encoding="utf-8"?>
+<p:notes xmlns:a="http://schemas.openxmlformats.org/drawingml/2006/main" xmlns:r="http://schemas.openxmlformats.org/officeDocument/2006/relationships" xmlns:p="http://schemas.openxmlformats.org/presentationml/2006/main">
+  <p:cSld>
+    <p:spTree>
+      <p:nvGrpSpPr>
+        <p:cNvPr id="1" name=""/>
+        <p:cNvGrpSpPr/>
+        <p:nvPr/>
+      </p:nvGrpSpPr>
+      <p:grpSpPr>
+        <a:xfrm>
+          <a:off x="0" y="0"/>
+          <a:ext cx="0" cy="0"/>
+          <a:chOff x="0" y="0"/>
+          <a:chExt cx="0" cy="0"/>
+        </a:xfrm>
+      </p:grpSpPr>
+      <p:sp>
+        <p:nvSpPr>
+          <p:cNvPr id="2" name="Header Placeholder 1"/>
+          <p:cNvSpPr>
+            <a:spLocks noGrp="1"/>
+          </p:cNvSpPr>
+          <p:nvPr>
+            <p:ph type="hdr" sz="quarter"/>
+          </p:nvPr>
+        </p:nvSpPr>
+        <p:spPr>
+          <a:xfrm>
+            <a:off x="0" y="0"/>
+            <a:ext cx="3962400" cy="342900"/>
+          </a:xfrm>
+          <a:prstGeom prst="rect">
+            <a:avLst/>
+          </a:prstGeom>
+        </p:spPr>
+        <p:txBody>
+          <a:bodyPr vert="horz" lIns="91440" tIns="45720" rIns="91440" bIns="45720" rtlCol="0"/>
+          <a:lstStyle>
+            <a:lvl1pPr algn="l">
+              <a:defRPr sz="1200"/>
+            </a:lvl1pPr>
+          </a:lstStyle>
+          <a:p>
+            <a:endParaRPr/>
+          </a:p>
+        </p:txBody>
+      </p:sp>
+      <p:sp>
+        <p:nvSpPr>
+          <p:cNvPr id="3" name="Date Placeholder 2"/>
+          <p:cNvSpPr>
+            <a:spLocks noGrp="1"/>
+          </p:cNvSpPr>
+          <p:nvPr>
+            <p:ph type="dt" idx="1"/>
+          </p:nvPr>
+        </p:nvSpPr>
+        <p:spPr>
+          <a:xfrm>
+            <a:off x="5180013" y="0"/>
+            <a:ext cx="3962400" cy="342900"/>
+          </a:xfrm>
+          <a:prstGeom prst="rect">
+            <a:avLst/>
+          </a:prstGeom>
+        </p:spPr>
+        <p:txBody>
+          <a:bodyPr vert="horz" lIns="91440" tIns="45720" rIns="91440" bIns="45720" rtlCol="0"/>
+          <a:lstStyle>
+            <a:lvl1pPr algn="r">
+              <a:defRPr sz="1200"/>
+            </a:lvl1pPr>
+          </a:lstStyle>
+          <a:p>
+            <a:r>
+              <a:rPr lang="cs-CZ"/>
+              <a:t>1.7.2013</a:t>
+            </a:r>
+          </a:p>
+        </p:txBody>
+      </p:sp>
+      <p:sp>
+        <p:nvSpPr>
+          <p:cNvPr id="4" name="Slide Image Placeholder 3"/>
+          <p:cNvSpPr>
+            <a:spLocks noGrp="1" noRot="1" noChangeAspect="1"/>
+          </p:cNvSpPr>
+          <p:nvPr>
+            <p:ph type="sldImg" idx="2"/>
+          </p:nvPr>
+        </p:nvSpPr>
+        <p:spPr>
+          <a:xfrm>
+            <a:off x="2290763" y="512763"/>
+            <a:ext cx="4562475" cy="2566987"/>
+          </a:xfrm>
+          <a:prstGeom prst="rect">
+            <a:avLst/>
+          </a:prstGeom>
+          <a:noFill/>
+          <a:ln w="12700">
+            <a:solidFill>
+              <a:prstClr val="black"/>
+            </a:solidFill>
+          </a:ln>
+        </p:spPr>
+        <p:txBody>
+          <a:bodyPr vert="horz" lIns="91440" tIns="45720" rIns="91440" bIns="45720" rtlCol="0" anchor="ctr"/>
+          <a:lstStyle/>
+          <a:p>
+            <a:endParaRPr/>
+          </a:p>
+        </p:txBody>
+      </p:sp>
+      <p:sp>
+        <p:nvSpPr>
+          <p:cNvPr id="5" name="Notes Placeholder 4"/>
+          <p:cNvSpPr>
+            <a:spLocks noGrp="1"/>
+          </p:cNvSpPr>
+          <p:nvPr>
+            <p:ph type="body" sz="quarter" idx="3"/>
+          </p:nvPr>
+        </p:nvSpPr>
+        <p:spPr>
+          <a:xfrm>
+            <a:off x="914400" y="3251200"/>
+            <a:ext cx="7315200" cy="3081338"/>
+          </a:xfrm>
+          <a:prstGeom prst="rect">
+            <a:avLst/>
+          </a:prstGeom>
+        </p:spPr>
+        <p:txBody>
+          <a:bodyPr vert="horz" lIns="91440" tIns="45720" rIns="91440" bIns="45720" rtlCol="0"/>
+          <a:lstStyle/>
+          <a:p>
+            <a:r>
+              <a:rPr lang="en-US"/>
+              <a:t>2</a:t>
+            </a:r>
+          </a:p>
+        </p:txBody>
+      </p:sp>
+      <p:sp>
+        <p:nvSpPr>
+          <p:cNvPr id="6" name="Footer Placeholder 5"/>
+          <p:cNvSpPr>
+            <a:spLocks noGrp="1"/>
+          </p:cNvSpPr>
+          <p:nvPr>
+            <p:ph type="ftr" sz="quarter" idx="4"/>
+          </p:nvPr>
+        </p:nvSpPr>
+        <p:spPr>
+          <a:xfrm>
+            <a:off x="0" y="6502400"/>
+            <a:ext cx="3962400" cy="341313"/>
+          </a:xfrm>
+          <a:prstGeom prst="rect">
+            <a:avLst/>
+          </a:prstGeom>
+        </p:spPr>
+        <p:txBody>
+          <a:bodyPr vert="horz" lIns="91440" tIns="45720" rIns="91440" bIns="45720" rtlCol="0" anchor="b"/>
+          <a:lstStyle>
+            <a:lvl1pPr algn="l">
+              <a:defRPr sz="1200"/>
+            </a:lvl1pPr>
+          </a:lstStyle>
+          <a:p>
+            <a:endParaRPr/>
+          </a:p>
+        </p:txBody>
+      </p:sp>
+      <p:sp>
+        <p:nvSpPr>
+          <p:cNvPr id="7" name="Slide Number Placeholder 6"/>
+          <p:cNvSpPr>
+            <a:spLocks noGrp="1"/>
+          </p:cNvSpPr>
+          <p:nvPr>
+            <p:ph type="sldNum" sz="quarter" idx="5"/>
+          </p:nvPr>
+        </p:nvSpPr>
+        <p:spPr>
+          <a:xfrm>
+            <a:off x="5180013" y="6502400"/>
+            <a:ext cx="3962400" cy="341313"/>
+          </a:xfrm>
+          <a:prstGeom prst="rect">
+            <a:avLst/>
+          </a:prstGeom>
+        </p:spPr>
+        <p:txBody>
+          <a:bodyPr vert="horz" lIns="91440" tIns="45720" rIns="91440" bIns="45720" rtlCol="0" anchor="b"/>
+          <a:lstStyle>
+            <a:lvl1pPr algn="r">
+              <a:defRPr sz="1200"/>
+            </a:lvl1pPr>
+          </a:lstStyle>
+          <a:p>
+            <a:r>
+              <a:rPr lang="cs-CZ"/>
+              <a:t>‹#›</a:t>
+            </a:r>
+          </a:p>
+        </p:txBody>
+      </p:sp>
+    </p:spTree>
+    <p:extLst>
+      <p:ext uri="{BB962C8B-B14F-4D97-AF65-F5344CB8AC3E}">
+        <p14:creationId xmlns:p14="http://schemas.microsoft.com/office/powerpoint/2010/main" val="2754154195"/>
+      </p:ext>
+    </p:extLst>
+  </p:cSld>
+  <p:clrMapOvr>
+    <a:masterClrMapping/>
+  </p:clrMapOvr>
+</p:notes>
+</file>
+
 <file path=ppt/notesSlides/notesSlide2.xml><?xml version="1.0" encoding="utf-8"?>
 <p:notes xmlns:a="http://schemas.openxmlformats.org/drawingml/2006/main" xmlns:r="http://schemas.openxmlformats.org/officeDocument/2006/relationships" xmlns:p="http://schemas.openxmlformats.org/presentationml/2006/main">
   <p:cSld>
@@ -2364,8 +2809,8 @@
         </p:nvSpPr>
         <p:spPr>
           <a:xfrm>
-            <a:off x="2857500" y="512763"/>
-            <a:ext cx="3429000" cy="2566987"/>
+            <a:off x="2290763" y="512763"/>
+            <a:ext cx="4562475" cy="2566987"/>
           </a:xfrm>
           <a:prstGeom prst="rect">
             <a:avLst/>
@@ -2626,7 +3071,10 @@
           <a:bodyPr vert="horz" lIns="91440" tIns="45720" rIns="91440" bIns="45720" rtlCol="0"/>
           <a:lstStyle/>
           <a:p>
-            <a:endParaRPr lang="en-US"/>
+            <a:r>
+              <a:rPr lang="en-US"/>
+              <a:t>2</a:t>
+            </a:r>
           </a:p>
         </p:txBody>
       </p:sp>
@@ -3056,10 +3504,7 @@
           <a:bodyPr vert="horz" lIns="91440" tIns="45720" rIns="91440" bIns="45720" rtlCol="0"/>
           <a:lstStyle/>
           <a:p>
-            <a:r>
-              <a:rPr lang="en-US"/>
-              <a:t>2</a:t>
-            </a:r>
+            <a:endParaRPr lang="en-US"/>
           </a:p>
         </p:txBody>
       </p:sp>
@@ -3448,8 +3893,8 @@
         </p:nvSpPr>
         <p:spPr>
           <a:xfrm>
-            <a:off x="2857500" y="512763"/>
-            <a:ext cx="3429000" cy="2566987"/>
+            <a:off x="2290763" y="512763"/>
+            <a:ext cx="4562475" cy="2566987"/>
           </a:xfrm>
           <a:prstGeom prst="rect">
             <a:avLst/>
@@ -3493,15 +3938,84 @@
           <a:lstStyle/>
           <a:p>
             <a:r>
-              <a:rPr lang="en-US"/>
-              <a:t>Langflow is a visual framework for building multi-agent and RAG applications. It is open-source, Python-powered, fully customizable, LLM and vector store agnostic.</a:t>
-            </a:r>
-          </a:p>
-          <a:p>
-            <a:r>
-              <a:rPr lang="en-US"/>
-              <a:t>Its intuitive interface allows for easy manipulation of AI building blocks, enabling developers to quickly prototype and turn their ideas into powerful, real-world solutions.</a:t>
-            </a:r>
+              <a:rPr lang="zh-TW" altLang="en-US" b="0" i="0" dirty="0">
+                <a:solidFill>
+                  <a:srgbClr val="242424"/>
+                </a:solidFill>
+                <a:effectLst/>
+                <a:highlight>
+                  <a:srgbClr val="FFFFFF"/>
+                </a:highlight>
+                <a:latin typeface="source-serif-pro"/>
+              </a:rPr>
+              <a:t>它是用於開發由語言模型支援的應用程式的框架，</a:t>
+            </a:r>
+            <a:r>
+              <a:rPr lang="en-US" altLang="zh-TW" b="0" i="0" dirty="0" err="1">
+                <a:solidFill>
+                  <a:srgbClr val="242424"/>
+                </a:solidFill>
+                <a:effectLst/>
+                <a:highlight>
+                  <a:srgbClr val="FFFFFF"/>
+                </a:highlight>
+                <a:latin typeface="source-serif-pro"/>
+              </a:rPr>
+              <a:t>LangChain</a:t>
+            </a:r>
+            <a:r>
+              <a:rPr lang="en-US" altLang="zh-TW" b="0" i="0" dirty="0">
+                <a:solidFill>
+                  <a:srgbClr val="242424"/>
+                </a:solidFill>
+                <a:effectLst/>
+                <a:highlight>
+                  <a:srgbClr val="FFFFFF"/>
+                </a:highlight>
+                <a:latin typeface="source-serif-pro"/>
+              </a:rPr>
+              <a:t> </a:t>
+            </a:r>
+            <a:r>
+              <a:rPr lang="zh-TW" altLang="en-US" b="0" i="0" dirty="0">
+                <a:solidFill>
+                  <a:srgbClr val="242424"/>
+                </a:solidFill>
+                <a:effectLst/>
+                <a:highlight>
+                  <a:srgbClr val="FFFFFF"/>
+                </a:highlight>
+                <a:latin typeface="source-serif-pro"/>
+              </a:rPr>
+              <a:t>就像膠水一樣，有各種接口可以將 </a:t>
+            </a:r>
+            <a:r>
+              <a:rPr lang="en-US" altLang="zh-TW" b="0" i="0" dirty="0">
+                <a:solidFill>
+                  <a:srgbClr val="242424"/>
+                </a:solidFill>
+                <a:effectLst/>
+                <a:highlight>
+                  <a:srgbClr val="FFFFFF"/>
+                </a:highlight>
+                <a:latin typeface="source-serif-pro"/>
+              </a:rPr>
+              <a:t>LLM </a:t>
+            </a:r>
+            <a:r>
+              <a:rPr lang="zh-TW" altLang="en-US" b="0" i="0" dirty="0">
+                <a:solidFill>
+                  <a:srgbClr val="242424"/>
+                </a:solidFill>
+                <a:effectLst/>
+                <a:highlight>
+                  <a:srgbClr val="FFFFFF"/>
+                </a:highlight>
+                <a:latin typeface="source-serif-pro"/>
+              </a:rPr>
+              <a:t>模型與其他工具和數據源連接</a:t>
+            </a:r>
+            <a:endParaRPr lang="en-US" dirty="0"/>
           </a:p>
         </p:txBody>
       </p:sp>
@@ -4194,7 +4708,7 @@
             <a:fld id="{1D8BD707-D9CF-40AE-B4C6-C98DA3205C09}" type="datetimeFigureOut">
               <a:rPr lang="en-US" smtClean="0"/>
               <a:pPr/>
-              <a:t>7/30/2024</a:t>
+              <a:t>8/2/2024</a:t>
             </a:fld>
             <a:endParaRPr lang="en-US"/>
           </a:p>
@@ -4359,7 +4873,7 @@
             <a:fld id="{1D8BD707-D9CF-40AE-B4C6-C98DA3205C09}" type="datetimeFigureOut">
               <a:rPr lang="en-US" smtClean="0"/>
               <a:pPr/>
-              <a:t>7/30/2024</a:t>
+              <a:t>8/2/2024</a:t>
             </a:fld>
             <a:endParaRPr lang="en-US"/>
           </a:p>
@@ -4534,7 +5048,7 @@
             <a:fld id="{1D8BD707-D9CF-40AE-B4C6-C98DA3205C09}" type="datetimeFigureOut">
               <a:rPr lang="en-US" smtClean="0"/>
               <a:pPr/>
-              <a:t>7/30/2024</a:t>
+              <a:t>8/2/2024</a:t>
             </a:fld>
             <a:endParaRPr lang="en-US"/>
           </a:p>
@@ -4699,7 +5213,7 @@
             <a:fld id="{1D8BD707-D9CF-40AE-B4C6-C98DA3205C09}" type="datetimeFigureOut">
               <a:rPr lang="en-US" smtClean="0"/>
               <a:pPr/>
-              <a:t>7/30/2024</a:t>
+              <a:t>8/2/2024</a:t>
             </a:fld>
             <a:endParaRPr lang="en-US"/>
           </a:p>
@@ -4941,7 +5455,7 @@
             <a:fld id="{1D8BD707-D9CF-40AE-B4C6-C98DA3205C09}" type="datetimeFigureOut">
               <a:rPr lang="en-US" smtClean="0"/>
               <a:pPr/>
-              <a:t>7/30/2024</a:t>
+              <a:t>8/2/2024</a:t>
             </a:fld>
             <a:endParaRPr lang="en-US"/>
           </a:p>
@@ -5223,7 +5737,7 @@
             <a:fld id="{1D8BD707-D9CF-40AE-B4C6-C98DA3205C09}" type="datetimeFigureOut">
               <a:rPr lang="en-US" smtClean="0"/>
               <a:pPr/>
-              <a:t>7/30/2024</a:t>
+              <a:t>8/2/2024</a:t>
             </a:fld>
             <a:endParaRPr lang="en-US"/>
           </a:p>
@@ -5639,7 +6153,7 @@
             <a:fld id="{1D8BD707-D9CF-40AE-B4C6-C98DA3205C09}" type="datetimeFigureOut">
               <a:rPr lang="en-US" smtClean="0"/>
               <a:pPr/>
-              <a:t>7/30/2024</a:t>
+              <a:t>8/2/2024</a:t>
             </a:fld>
             <a:endParaRPr lang="en-US"/>
           </a:p>
@@ -5753,7 +6267,7 @@
             <a:fld id="{1D8BD707-D9CF-40AE-B4C6-C98DA3205C09}" type="datetimeFigureOut">
               <a:rPr lang="en-US" smtClean="0"/>
               <a:pPr/>
-              <a:t>7/30/2024</a:t>
+              <a:t>8/2/2024</a:t>
             </a:fld>
             <a:endParaRPr lang="en-US"/>
           </a:p>
@@ -5845,7 +6359,7 @@
             <a:fld id="{1D8BD707-D9CF-40AE-B4C6-C98DA3205C09}" type="datetimeFigureOut">
               <a:rPr lang="en-US" smtClean="0"/>
               <a:pPr/>
-              <a:t>7/30/2024</a:t>
+              <a:t>8/2/2024</a:t>
             </a:fld>
             <a:endParaRPr lang="en-US"/>
           </a:p>
@@ -6117,7 +6631,7 @@
             <a:fld id="{1D8BD707-D9CF-40AE-B4C6-C98DA3205C09}" type="datetimeFigureOut">
               <a:rPr lang="en-US" smtClean="0"/>
               <a:pPr/>
-              <a:t>7/30/2024</a:t>
+              <a:t>8/2/2024</a:t>
             </a:fld>
             <a:endParaRPr lang="en-US"/>
           </a:p>
@@ -6366,7 +6880,7 @@
             <a:fld id="{1D8BD707-D9CF-40AE-B4C6-C98DA3205C09}" type="datetimeFigureOut">
               <a:rPr lang="en-US" smtClean="0"/>
               <a:pPr/>
-              <a:t>7/30/2024</a:t>
+              <a:t>8/2/2024</a:t>
             </a:fld>
             <a:endParaRPr lang="en-US"/>
           </a:p>
@@ -6574,7 +7088,7 @@
             <a:fld id="{1D8BD707-D9CF-40AE-B4C6-C98DA3205C09}" type="datetimeFigureOut">
               <a:rPr lang="en-US" smtClean="0"/>
               <a:pPr/>
-              <a:t>7/30/2024</a:t>
+              <a:t>8/2/2024</a:t>
             </a:fld>
             <a:endParaRPr lang="en-US"/>
           </a:p>
@@ -7121,47 +7635,6 @@
           </a:p>
         </p:txBody>
       </p:sp>
-      <p:sp>
-        <p:nvSpPr>
-          <p:cNvPr id="6" name="TextBox 6"/>
-          <p:cNvSpPr txBox="1"/>
-          <p:nvPr/>
-        </p:nvSpPr>
-        <p:spPr>
-          <a:xfrm>
-            <a:off x="13337907" y="8945055"/>
-            <a:ext cx="4037267" cy="909009"/>
-          </a:xfrm>
-          <a:prstGeom prst="rect">
-            <a:avLst/>
-          </a:prstGeom>
-        </p:spPr>
-        <p:txBody>
-          <a:bodyPr lIns="0" tIns="0" rIns="0" bIns="0" rtlCol="0" anchor="t">
-            <a:spAutoFit/>
-          </a:bodyPr>
-          <a:lstStyle/>
-          <a:p>
-            <a:pPr algn="l">
-              <a:lnSpc>
-                <a:spcPts val="7452"/>
-              </a:lnSpc>
-            </a:pPr>
-            <a:r>
-              <a:rPr lang="en-US" sz="4800" u="sng">
-                <a:solidFill>
-                  <a:srgbClr val="5271FF"/>
-                </a:solidFill>
-                <a:latin typeface="Arimo"/>
-                <a:ea typeface="Arimo"/>
-                <a:cs typeface="Arimo"/>
-                <a:sym typeface="Arimo"/>
-              </a:rPr>
-              <a:t>ChatBot  URL</a:t>
-            </a:r>
-          </a:p>
-        </p:txBody>
-      </p:sp>
     </p:spTree>
   </p:cSld>
   <p:clrMapOvr>
@@ -7223,8 +7696,125 @@
                 <a:cs typeface="Arimo Bold"/>
                 <a:sym typeface="Arimo Bold"/>
               </a:rPr>
-              <a:t>LLM Compare (Llama 8b)</a:t>
-            </a:r>
+              <a:t>LLM Compare </a:t>
+            </a:r>
+            <a:r>
+              <a:rPr lang="en-US" altLang="zh-TW" sz="4999" dirty="0">
+                <a:solidFill>
+                  <a:srgbClr val="5B5F71"/>
+                </a:solidFill>
+                <a:latin typeface="Arimo Bold"/>
+                <a:ea typeface="Arimo Bold"/>
+                <a:cs typeface="Arimo Bold"/>
+                <a:sym typeface="Arimo Bold"/>
+              </a:rPr>
+              <a:t>Task 1:</a:t>
+            </a:r>
+            <a:r>
+              <a:rPr lang="zh-TW" altLang="en-US" sz="4999" dirty="0">
+                <a:solidFill>
+                  <a:srgbClr val="5B5F71"/>
+                </a:solidFill>
+                <a:latin typeface="Arimo Bold"/>
+                <a:ea typeface="Arimo Bold"/>
+                <a:cs typeface="Arimo Bold"/>
+                <a:sym typeface="Arimo Bold"/>
+              </a:rPr>
+              <a:t> </a:t>
+            </a:r>
+            <a:r>
+              <a:rPr lang="en-US" altLang="zh-TW" sz="4999" dirty="0">
+                <a:solidFill>
+                  <a:srgbClr val="5B5F71"/>
+                </a:solidFill>
+                <a:latin typeface="Arimo Bold"/>
+                <a:ea typeface="Arimo Bold"/>
+                <a:cs typeface="Arimo Bold"/>
+                <a:sym typeface="Arimo Bold"/>
+              </a:rPr>
+              <a:t>Output</a:t>
+            </a:r>
+            <a:r>
+              <a:rPr lang="zh-TW" altLang="en-US" sz="4999" dirty="0">
+                <a:solidFill>
+                  <a:srgbClr val="5B5F71"/>
+                </a:solidFill>
+                <a:latin typeface="Arimo Bold"/>
+                <a:ea typeface="Arimo Bold"/>
+                <a:cs typeface="Arimo Bold"/>
+                <a:sym typeface="Arimo Bold"/>
+              </a:rPr>
+              <a:t> </a:t>
+            </a:r>
+            <a:r>
+              <a:rPr lang="en-US" altLang="zh-TW" sz="4999" dirty="0">
+                <a:solidFill>
+                  <a:srgbClr val="5B5F71"/>
+                </a:solidFill>
+                <a:latin typeface="Arimo Bold"/>
+                <a:ea typeface="Arimo Bold"/>
+                <a:cs typeface="Arimo Bold"/>
+                <a:sym typeface="Arimo Bold"/>
+              </a:rPr>
+              <a:t>the</a:t>
+            </a:r>
+            <a:r>
+              <a:rPr lang="zh-TW" altLang="en-US" sz="4999" dirty="0">
+                <a:solidFill>
+                  <a:srgbClr val="5B5F71"/>
+                </a:solidFill>
+                <a:latin typeface="Arimo Bold"/>
+                <a:ea typeface="Arimo Bold"/>
+                <a:cs typeface="Arimo Bold"/>
+                <a:sym typeface="Arimo Bold"/>
+              </a:rPr>
+              <a:t> </a:t>
+            </a:r>
+            <a:r>
+              <a:rPr lang="en-US" altLang="zh-TW" sz="4999" dirty="0">
+                <a:solidFill>
+                  <a:srgbClr val="5B5F71"/>
+                </a:solidFill>
+                <a:latin typeface="Arimo Bold"/>
+                <a:ea typeface="Arimo Bold"/>
+                <a:cs typeface="Arimo Bold"/>
+                <a:sym typeface="Arimo Bold"/>
+              </a:rPr>
+              <a:t>whole</a:t>
+            </a:r>
+            <a:r>
+              <a:rPr lang="zh-TW" altLang="en-US" sz="4999" dirty="0">
+                <a:solidFill>
+                  <a:srgbClr val="5B5F71"/>
+                </a:solidFill>
+                <a:latin typeface="Arimo Bold"/>
+                <a:ea typeface="Arimo Bold"/>
+                <a:cs typeface="Arimo Bold"/>
+                <a:sym typeface="Arimo Bold"/>
+              </a:rPr>
+              <a:t> </a:t>
+            </a:r>
+            <a:r>
+              <a:rPr lang="en-US" altLang="zh-TW" sz="4999" dirty="0">
+                <a:solidFill>
+                  <a:srgbClr val="5B5F71"/>
+                </a:solidFill>
+                <a:latin typeface="Arimo Bold"/>
+                <a:ea typeface="Arimo Bold"/>
+                <a:cs typeface="Arimo Bold"/>
+                <a:sym typeface="Arimo Bold"/>
+              </a:rPr>
+              <a:t>file</a:t>
+            </a:r>
+            <a:endParaRPr lang="en-US" sz="4999" dirty="0">
+              <a:solidFill>
+                <a:srgbClr val="5B5F71"/>
+              </a:solidFill>
+              <a:latin typeface="Arimo Bold"/>
+              <a:ea typeface="Arimo Bold"/>
+              <a:cs typeface="Arimo Bold"/>
+              <a:sym typeface="Arimo Bold"/>
+            </a:endParaRPr>
           </a:p>
         </p:txBody>
       </p:sp>
@@ -7824,7 +8414,31 @@
                 <a:cs typeface="Arimo Bold"/>
                 <a:sym typeface="Arimo Bold"/>
               </a:rPr>
-              <a:t>LLM Compare (GPT 3.5-trubo)</a:t>
+              <a:t>LLM Compare (GPT 3.5-t</a:t>
+            </a:r>
+            <a:r>
+              <a:rPr lang="en-US" altLang="zh-TW" sz="4999" dirty="0">
+                <a:solidFill>
+                  <a:srgbClr val="5B5F71"/>
+                </a:solidFill>
+                <a:latin typeface="Arimo Bold"/>
+                <a:ea typeface="Arimo Bold"/>
+                <a:cs typeface="Arimo Bold"/>
+                <a:sym typeface="Arimo Bold"/>
+              </a:rPr>
+              <a:t>ur</a:t>
+            </a:r>
+            <a:r>
+              <a:rPr lang="en-US" sz="4999" dirty="0">
+                <a:solidFill>
+                  <a:srgbClr val="5B5F71"/>
+                </a:solidFill>
+                <a:latin typeface="Arimo Bold"/>
+                <a:ea typeface="Arimo Bold"/>
+                <a:cs typeface="Arimo Bold"/>
+                <a:sym typeface="Arimo Bold"/>
+              </a:rPr>
+              <a:t>bo)</a:t>
             </a:r>
           </a:p>
         </p:txBody>
@@ -9025,6 +9639,528 @@
 </p:sld>
 </file>
 
+<file path=ppt/slides/slide17.xml><?xml version="1.0" encoding="utf-8"?>
+<p:sld xmlns:a="http://schemas.openxmlformats.org/drawingml/2006/main" xmlns:r="http://schemas.openxmlformats.org/officeDocument/2006/relationships" xmlns:p="http://schemas.openxmlformats.org/presentationml/2006/main">
+  <p:cSld>
+    <p:spTree>
+      <p:nvGrpSpPr>
+        <p:cNvPr id="1" name=""/>
+        <p:cNvGrpSpPr/>
+        <p:nvPr/>
+      </p:nvGrpSpPr>
+      <p:grpSpPr>
+        <a:xfrm>
+          <a:off x="0" y="0"/>
+          <a:ext cx="0" cy="0"/>
+          <a:chOff x="0" y="0"/>
+          <a:chExt cx="0" cy="0"/>
+        </a:xfrm>
+      </p:grpSpPr>
+      <p:sp>
+        <p:nvSpPr>
+          <p:cNvPr id="2" name="Freeform 2"/>
+          <p:cNvSpPr/>
+          <p:nvPr/>
+        </p:nvSpPr>
+        <p:spPr>
+          <a:xfrm>
+            <a:off x="3080986" y="1163552"/>
+            <a:ext cx="12126028" cy="8597369"/>
+          </a:xfrm>
+          <a:custGeom>
+            <a:avLst/>
+            <a:gdLst/>
+            <a:ahLst/>
+            <a:cxnLst/>
+            <a:rect l="l" t="t" r="r" b="b"/>
+            <a:pathLst>
+              <a:path w="12126028" h="8597369">
+                <a:moveTo>
+                  <a:pt x="0" y="0"/>
+                </a:moveTo>
+                <a:lnTo>
+                  <a:pt x="12126028" y="0"/>
+                </a:lnTo>
+                <a:lnTo>
+                  <a:pt x="12126028" y="8597369"/>
+                </a:lnTo>
+                <a:lnTo>
+                  <a:pt x="0" y="8597369"/>
+                </a:lnTo>
+                <a:lnTo>
+                  <a:pt x="0" y="0"/>
+                </a:lnTo>
+                <a:close/>
+              </a:path>
+            </a:pathLst>
+          </a:custGeom>
+          <a:blipFill>
+            <a:blip r:embed="rId3"/>
+            <a:stretch>
+              <a:fillRect/>
+            </a:stretch>
+          </a:blipFill>
+        </p:spPr>
+        <p:txBody>
+          <a:bodyPr/>
+          <a:lstStyle/>
+          <a:p>
+            <a:endParaRPr lang="zh-TW" altLang="en-US"/>
+          </a:p>
+        </p:txBody>
+      </p:sp>
+      <p:sp>
+        <p:nvSpPr>
+          <p:cNvPr id="3" name="TextBox 3"/>
+          <p:cNvSpPr txBox="1"/>
+          <p:nvPr/>
+        </p:nvSpPr>
+        <p:spPr>
+          <a:xfrm>
+            <a:off x="410706" y="373930"/>
+            <a:ext cx="7590293" cy="718145"/>
+          </a:xfrm>
+          <a:prstGeom prst="rect">
+            <a:avLst/>
+          </a:prstGeom>
+        </p:spPr>
+        <p:txBody>
+          <a:bodyPr wrap="square" lIns="0" tIns="0" rIns="0" bIns="0" rtlCol="0" anchor="t">
+            <a:spAutoFit/>
+          </a:bodyPr>
+          <a:lstStyle/>
+          <a:p>
+            <a:pPr algn="l">
+              <a:lnSpc>
+                <a:spcPts val="5632"/>
+              </a:lnSpc>
+            </a:pPr>
+            <a:r>
+              <a:rPr lang="en-US" altLang="zh-TW" sz="6000" dirty="0">
+                <a:solidFill>
+                  <a:srgbClr val="000000"/>
+                </a:solidFill>
+                <a:latin typeface="Arimo Bold"/>
+                <a:ea typeface="Arimo Bold"/>
+                <a:cs typeface="Arimo Bold"/>
+                <a:sym typeface="Arimo Bold"/>
+              </a:rPr>
+              <a:t>RAG vs Non-RAG</a:t>
+            </a:r>
+            <a:endParaRPr lang="en-US" sz="6000" dirty="0">
+              <a:solidFill>
+                <a:srgbClr val="000000"/>
+              </a:solidFill>
+              <a:latin typeface="Arimo Bold"/>
+              <a:ea typeface="Arimo Bold"/>
+              <a:cs typeface="Arimo Bold"/>
+              <a:sym typeface="Arimo Bold"/>
+            </a:endParaRPr>
+          </a:p>
+        </p:txBody>
+      </p:sp>
+    </p:spTree>
+    <p:extLst>
+      <p:ext uri="{BB962C8B-B14F-4D97-AF65-F5344CB8AC3E}">
+        <p14:creationId xmlns:p14="http://schemas.microsoft.com/office/powerpoint/2010/main" val="2393590523"/>
+      </p:ext>
+    </p:extLst>
+  </p:cSld>
+  <p:clrMapOvr>
+    <a:masterClrMapping/>
+  </p:clrMapOvr>
+</p:sld>
+</file>
+
+<file path=ppt/slides/slide18.xml><?xml version="1.0" encoding="utf-8"?>
+<p:sld xmlns:a="http://schemas.openxmlformats.org/drawingml/2006/main" xmlns:r="http://schemas.openxmlformats.org/officeDocument/2006/relationships" xmlns:p="http://schemas.openxmlformats.org/presentationml/2006/main">
+  <p:cSld>
+    <p:spTree>
+      <p:nvGrpSpPr>
+        <p:cNvPr id="1" name=""/>
+        <p:cNvGrpSpPr/>
+        <p:nvPr/>
+      </p:nvGrpSpPr>
+      <p:grpSpPr>
+        <a:xfrm>
+          <a:off x="0" y="0"/>
+          <a:ext cx="0" cy="0"/>
+          <a:chOff x="0" y="0"/>
+          <a:chExt cx="0" cy="0"/>
+        </a:xfrm>
+      </p:grpSpPr>
+      <p:sp>
+        <p:nvSpPr>
+          <p:cNvPr id="2" name="Freeform 2"/>
+          <p:cNvSpPr/>
+          <p:nvPr/>
+        </p:nvSpPr>
+        <p:spPr>
+          <a:xfrm>
+            <a:off x="3080986" y="1163552"/>
+            <a:ext cx="12126028" cy="8597369"/>
+          </a:xfrm>
+          <a:custGeom>
+            <a:avLst/>
+            <a:gdLst/>
+            <a:ahLst/>
+            <a:cxnLst/>
+            <a:rect l="l" t="t" r="r" b="b"/>
+            <a:pathLst>
+              <a:path w="12126028" h="8597369">
+                <a:moveTo>
+                  <a:pt x="0" y="0"/>
+                </a:moveTo>
+                <a:lnTo>
+                  <a:pt x="12126028" y="0"/>
+                </a:lnTo>
+                <a:lnTo>
+                  <a:pt x="12126028" y="8597369"/>
+                </a:lnTo>
+                <a:lnTo>
+                  <a:pt x="0" y="8597369"/>
+                </a:lnTo>
+                <a:lnTo>
+                  <a:pt x="0" y="0"/>
+                </a:lnTo>
+                <a:close/>
+              </a:path>
+            </a:pathLst>
+          </a:custGeom>
+          <a:blipFill>
+            <a:blip r:embed="rId3"/>
+            <a:stretch>
+              <a:fillRect/>
+            </a:stretch>
+          </a:blipFill>
+        </p:spPr>
+        <p:txBody>
+          <a:bodyPr/>
+          <a:lstStyle/>
+          <a:p>
+            <a:endParaRPr lang="zh-TW" altLang="en-US"/>
+          </a:p>
+        </p:txBody>
+      </p:sp>
+      <p:sp>
+        <p:nvSpPr>
+          <p:cNvPr id="3" name="TextBox 3"/>
+          <p:cNvSpPr txBox="1"/>
+          <p:nvPr/>
+        </p:nvSpPr>
+        <p:spPr>
+          <a:xfrm>
+            <a:off x="410707" y="373930"/>
+            <a:ext cx="4496996" cy="718145"/>
+          </a:xfrm>
+          <a:prstGeom prst="rect">
+            <a:avLst/>
+          </a:prstGeom>
+        </p:spPr>
+        <p:txBody>
+          <a:bodyPr lIns="0" tIns="0" rIns="0" bIns="0" rtlCol="0" anchor="t">
+            <a:spAutoFit/>
+          </a:bodyPr>
+          <a:lstStyle/>
+          <a:p>
+            <a:pPr algn="l">
+              <a:lnSpc>
+                <a:spcPts val="5632"/>
+              </a:lnSpc>
+            </a:pPr>
+            <a:r>
+              <a:rPr lang="en-US" altLang="zh-TW" sz="6000" dirty="0">
+                <a:solidFill>
+                  <a:srgbClr val="000000"/>
+                </a:solidFill>
+                <a:latin typeface="Arimo Bold"/>
+                <a:ea typeface="Arimo Bold"/>
+                <a:cs typeface="Arimo Bold"/>
+                <a:sym typeface="Arimo Bold"/>
+              </a:rPr>
+              <a:t>Future</a:t>
+            </a:r>
+            <a:r>
+              <a:rPr lang="zh-TW" altLang="en-US" sz="6000" dirty="0">
+                <a:solidFill>
+                  <a:srgbClr val="000000"/>
+                </a:solidFill>
+                <a:latin typeface="Arimo Bold"/>
+                <a:ea typeface="Arimo Bold"/>
+                <a:cs typeface="Arimo Bold"/>
+                <a:sym typeface="Arimo Bold"/>
+              </a:rPr>
+              <a:t> </a:t>
+            </a:r>
+            <a:r>
+              <a:rPr lang="en-US" altLang="zh-TW" sz="6000" dirty="0">
+                <a:solidFill>
+                  <a:srgbClr val="000000"/>
+                </a:solidFill>
+                <a:latin typeface="Arimo Bold"/>
+                <a:ea typeface="Arimo Bold"/>
+                <a:cs typeface="Arimo Bold"/>
+                <a:sym typeface="Arimo Bold"/>
+              </a:rPr>
+              <a:t>Work</a:t>
+            </a:r>
+            <a:endParaRPr lang="en-US" sz="6000" dirty="0">
+              <a:solidFill>
+                <a:srgbClr val="000000"/>
+              </a:solidFill>
+              <a:latin typeface="Arimo Bold"/>
+              <a:ea typeface="Arimo Bold"/>
+              <a:cs typeface="Arimo Bold"/>
+              <a:sym typeface="Arimo Bold"/>
+            </a:endParaRPr>
+          </a:p>
+        </p:txBody>
+      </p:sp>
+      <p:sp>
+        <p:nvSpPr>
+          <p:cNvPr id="4" name="TextBox 3">
+            <a:extLst>
+              <a:ext uri="{FF2B5EF4-FFF2-40B4-BE49-F238E27FC236}">
+                <a16:creationId xmlns:a16="http://schemas.microsoft.com/office/drawing/2014/main" id="{AA25A1A4-3473-9027-F1D1-2CB362091809}"/>
+              </a:ext>
+            </a:extLst>
+          </p:cNvPr>
+          <p:cNvSpPr txBox="1"/>
+          <p:nvPr/>
+        </p:nvSpPr>
+        <p:spPr>
+          <a:xfrm>
+            <a:off x="990600" y="1866900"/>
+            <a:ext cx="4496996" cy="2872581"/>
+          </a:xfrm>
+          <a:prstGeom prst="rect">
+            <a:avLst/>
+          </a:prstGeom>
+        </p:spPr>
+        <p:txBody>
+          <a:bodyPr lIns="0" tIns="0" rIns="0" bIns="0" rtlCol="0" anchor="t">
+            <a:spAutoFit/>
+          </a:bodyPr>
+          <a:lstStyle/>
+          <a:p>
+            <a:pPr algn="l">
+              <a:lnSpc>
+                <a:spcPts val="5632"/>
+              </a:lnSpc>
+            </a:pPr>
+            <a:r>
+              <a:rPr lang="zh-TW" altLang="en-US" sz="6000" dirty="0">
+                <a:solidFill>
+                  <a:srgbClr val="000000"/>
+                </a:solidFill>
+                <a:latin typeface="Arimo Bold"/>
+                <a:ea typeface="Arimo Bold"/>
+                <a:cs typeface="Arimo Bold"/>
+                <a:sym typeface="Arimo Bold"/>
+              </a:rPr>
+              <a:t>建立</a:t>
+            </a:r>
+            <a:r>
+              <a:rPr lang="en-US" altLang="zh-TW" sz="6000" dirty="0">
+                <a:solidFill>
+                  <a:srgbClr val="000000"/>
+                </a:solidFill>
+                <a:latin typeface="Arimo Bold"/>
+                <a:ea typeface="Arimo Bold"/>
+                <a:cs typeface="Arimo Bold"/>
+                <a:sym typeface="Arimo Bold"/>
+              </a:rPr>
+              <a:t>Knowledge</a:t>
+            </a:r>
+            <a:r>
+              <a:rPr lang="zh-TW" altLang="en-US" sz="6000" dirty="0">
+                <a:solidFill>
+                  <a:srgbClr val="000000"/>
+                </a:solidFill>
+                <a:latin typeface="Arimo Bold"/>
+                <a:ea typeface="Arimo Bold"/>
+                <a:cs typeface="Arimo Bold"/>
+                <a:sym typeface="Arimo Bold"/>
+              </a:rPr>
+              <a:t> </a:t>
+            </a:r>
+            <a:r>
+              <a:rPr lang="en-US" altLang="zh-TW" sz="6000" dirty="0">
+                <a:solidFill>
+                  <a:srgbClr val="000000"/>
+                </a:solidFill>
+                <a:latin typeface="Arimo Bold"/>
+                <a:ea typeface="Arimo Bold"/>
+                <a:cs typeface="Arimo Bold"/>
+                <a:sym typeface="Arimo Bold"/>
+              </a:rPr>
+              <a:t>Graph</a:t>
+            </a:r>
+            <a:r>
+              <a:rPr lang="zh-TW" altLang="en-US" sz="6000" dirty="0">
+                <a:solidFill>
+                  <a:srgbClr val="000000"/>
+                </a:solidFill>
+                <a:latin typeface="Arimo Bold"/>
+                <a:ea typeface="Arimo Bold"/>
+                <a:cs typeface="Arimo Bold"/>
+                <a:sym typeface="Arimo Bold"/>
+              </a:rPr>
+              <a:t>，並用</a:t>
+            </a:r>
+            <a:r>
+              <a:rPr lang="en-US" altLang="zh-TW" sz="6000" dirty="0">
+                <a:solidFill>
+                  <a:srgbClr val="000000"/>
+                </a:solidFill>
+                <a:latin typeface="Arimo Bold"/>
+                <a:ea typeface="Arimo Bold"/>
+                <a:cs typeface="Arimo Bold"/>
+                <a:sym typeface="Arimo Bold"/>
+              </a:rPr>
+              <a:t>RAG</a:t>
+            </a:r>
+            <a:endParaRPr lang="en-US" sz="6000" dirty="0">
+              <a:solidFill>
+                <a:srgbClr val="000000"/>
+              </a:solidFill>
+              <a:latin typeface="Arimo Bold"/>
+              <a:ea typeface="Arimo Bold"/>
+              <a:cs typeface="Arimo Bold"/>
+              <a:sym typeface="Arimo Bold"/>
+            </a:endParaRPr>
+          </a:p>
+        </p:txBody>
+      </p:sp>
+      <p:sp>
+        <p:nvSpPr>
+          <p:cNvPr id="5" name="TextBox 3">
+            <a:extLst>
+              <a:ext uri="{FF2B5EF4-FFF2-40B4-BE49-F238E27FC236}">
+                <a16:creationId xmlns:a16="http://schemas.microsoft.com/office/drawing/2014/main" id="{94B9D136-3E3E-F745-7C8C-0CA4B0ABF117}"/>
+              </a:ext>
+            </a:extLst>
+          </p:cNvPr>
+          <p:cNvSpPr txBox="1"/>
+          <p:nvPr/>
+        </p:nvSpPr>
+        <p:spPr>
+          <a:xfrm>
+            <a:off x="999565" y="5181600"/>
+            <a:ext cx="4496996" cy="5027017"/>
+          </a:xfrm>
+          <a:prstGeom prst="rect">
+            <a:avLst/>
+          </a:prstGeom>
+        </p:spPr>
+        <p:txBody>
+          <a:bodyPr lIns="0" tIns="0" rIns="0" bIns="0" rtlCol="0" anchor="t">
+            <a:spAutoFit/>
+          </a:bodyPr>
+          <a:lstStyle/>
+          <a:p>
+            <a:pPr algn="l">
+              <a:lnSpc>
+                <a:spcPts val="5632"/>
+              </a:lnSpc>
+            </a:pPr>
+            <a:r>
+              <a:rPr lang="zh-TW" altLang="en-US" sz="6000" dirty="0">
+                <a:solidFill>
+                  <a:srgbClr val="000000"/>
+                </a:solidFill>
+                <a:latin typeface="Arimo Bold"/>
+                <a:ea typeface="Arimo Bold"/>
+                <a:cs typeface="Arimo Bold"/>
+                <a:sym typeface="Arimo Bold"/>
+              </a:rPr>
+              <a:t>回應時間太久，主要都是呼叫</a:t>
+            </a:r>
+            <a:r>
+              <a:rPr lang="en-US" altLang="zh-TW" sz="6000" dirty="0" err="1">
+                <a:solidFill>
+                  <a:srgbClr val="000000"/>
+                </a:solidFill>
+                <a:latin typeface="Arimo Bold"/>
+                <a:ea typeface="Arimo Bold"/>
+                <a:cs typeface="Arimo Bold"/>
+                <a:sym typeface="Arimo Bold"/>
+              </a:rPr>
+              <a:t>api</a:t>
+            </a:r>
+            <a:r>
+              <a:rPr lang="zh-TW" altLang="en-US" sz="6000" dirty="0">
+                <a:solidFill>
+                  <a:srgbClr val="000000"/>
+                </a:solidFill>
+                <a:latin typeface="Arimo Bold"/>
+                <a:ea typeface="Arimo Bold"/>
+                <a:cs typeface="Arimo Bold"/>
+                <a:sym typeface="Arimo Bold"/>
+              </a:rPr>
+              <a:t>與</a:t>
+            </a:r>
+            <a:r>
+              <a:rPr lang="en-US" altLang="zh-TW" sz="6000" dirty="0" err="1">
+                <a:solidFill>
+                  <a:srgbClr val="000000"/>
+                </a:solidFill>
+                <a:latin typeface="Arimo Bold"/>
+                <a:ea typeface="Arimo Bold"/>
+                <a:cs typeface="Arimo Bold"/>
+                <a:sym typeface="Arimo Bold"/>
+              </a:rPr>
+              <a:t>langflow</a:t>
+            </a:r>
+            <a:r>
+              <a:rPr lang="zh-TW" altLang="en-US" sz="6000" dirty="0">
+                <a:solidFill>
+                  <a:srgbClr val="000000"/>
+                </a:solidFill>
+                <a:latin typeface="Arimo Bold"/>
+                <a:ea typeface="Arimo Bold"/>
+                <a:cs typeface="Arimo Bold"/>
+                <a:sym typeface="Arimo Bold"/>
+              </a:rPr>
+              <a:t>的時間，也許可以不借用</a:t>
+            </a:r>
+            <a:r>
+              <a:rPr lang="en-US" altLang="zh-TW" sz="6000" dirty="0" err="1">
+                <a:solidFill>
+                  <a:srgbClr val="000000"/>
+                </a:solidFill>
+                <a:latin typeface="Arimo Bold"/>
+                <a:ea typeface="Arimo Bold"/>
+                <a:cs typeface="Arimo Bold"/>
+                <a:sym typeface="Arimo Bold"/>
+              </a:rPr>
+              <a:t>langflow</a:t>
+            </a:r>
+            <a:endParaRPr lang="en-US" sz="6000" dirty="0">
+              <a:solidFill>
+                <a:srgbClr val="000000"/>
+              </a:solidFill>
+              <a:latin typeface="Arimo Bold"/>
+              <a:ea typeface="Arimo Bold"/>
+              <a:cs typeface="Arimo Bold"/>
+              <a:sym typeface="Arimo Bold"/>
+            </a:endParaRPr>
+          </a:p>
+        </p:txBody>
+      </p:sp>
+    </p:spTree>
+    <p:extLst>
+      <p:ext uri="{BB962C8B-B14F-4D97-AF65-F5344CB8AC3E}">
+        <p14:creationId xmlns:p14="http://schemas.microsoft.com/office/powerpoint/2010/main" val="863774626"/>
+      </p:ext>
+    </p:extLst>
+  </p:cSld>
+  <p:clrMapOvr>
+    <a:masterClrMapping/>
+  </p:clrMapOvr>
+</p:sld>
+</file>
+
 <file path=ppt/slides/slide2.xml><?xml version="1.0" encoding="utf-8"?>
 <p:sld xmlns:a="http://schemas.openxmlformats.org/drawingml/2006/main" xmlns:r="http://schemas.openxmlformats.org/officeDocument/2006/relationships" xmlns:p="http://schemas.openxmlformats.org/presentationml/2006/main">
   <p:cSld>
@@ -9136,50 +10272,6 @@
           </a:p>
         </p:txBody>
       </p:sp>
-      <p:sp>
-        <p:nvSpPr>
-          <p:cNvPr id="4" name="TextBox 4"/>
-          <p:cNvSpPr txBox="1"/>
-          <p:nvPr/>
-        </p:nvSpPr>
-        <p:spPr>
-          <a:xfrm>
-            <a:off x="1676346" y="9439558"/>
-            <a:ext cx="14885074" cy="566301"/>
-          </a:xfrm>
-          <a:prstGeom prst="rect">
-            <a:avLst/>
-          </a:prstGeom>
-        </p:spPr>
-        <p:txBody>
-          <a:bodyPr lIns="0" tIns="0" rIns="0" bIns="0" rtlCol="0" anchor="t">
-            <a:spAutoFit/>
-          </a:bodyPr>
-          <a:lstStyle/>
-          <a:p>
-            <a:pPr algn="ctr">
-              <a:lnSpc>
-                <a:spcPts val="4479"/>
-              </a:lnSpc>
-              <a:spcBef>
-                <a:spcPct val="0"/>
-              </a:spcBef>
-            </a:pPr>
-            <a:r>
-              <a:rPr lang="en-US" sz="3199">
-                <a:solidFill>
-                  <a:srgbClr val="000000"/>
-                </a:solidFill>
-                <a:latin typeface="Arimo"/>
-                <a:ea typeface="Arimo"/>
-                <a:cs typeface="Arimo"/>
-                <a:sym typeface="Arimo"/>
-              </a:rPr>
-              <a:t>The chatbot is to help users understand the practical significance of causal graphs,</a:t>
-            </a:r>
-          </a:p>
-        </p:txBody>
-      </p:sp>
     </p:spTree>
   </p:cSld>
   <p:clrMapOvr>
@@ -9189,6 +10281,303 @@
 </file>
 
 <file path=ppt/slides/slide3.xml><?xml version="1.0" encoding="utf-8"?>
+<p:sld xmlns:a="http://schemas.openxmlformats.org/drawingml/2006/main" xmlns:r="http://schemas.openxmlformats.org/officeDocument/2006/relationships" xmlns:p="http://schemas.openxmlformats.org/presentationml/2006/main">
+  <p:cSld>
+    <p:spTree>
+      <p:nvGrpSpPr>
+        <p:cNvPr id="1" name=""/>
+        <p:cNvGrpSpPr/>
+        <p:nvPr/>
+      </p:nvGrpSpPr>
+      <p:grpSpPr>
+        <a:xfrm>
+          <a:off x="0" y="0"/>
+          <a:ext cx="0" cy="0"/>
+          <a:chOff x="0" y="0"/>
+          <a:chExt cx="0" cy="0"/>
+        </a:xfrm>
+      </p:grpSpPr>
+      <p:sp>
+        <p:nvSpPr>
+          <p:cNvPr id="2" name="Freeform 2"/>
+          <p:cNvSpPr/>
+          <p:nvPr/>
+        </p:nvSpPr>
+        <p:spPr>
+          <a:xfrm>
+            <a:off x="1176709" y="2117383"/>
+            <a:ext cx="11320181" cy="2013151"/>
+          </a:xfrm>
+          <a:custGeom>
+            <a:avLst/>
+            <a:gdLst/>
+            <a:ahLst/>
+            <a:cxnLst/>
+            <a:rect l="l" t="t" r="r" b="b"/>
+            <a:pathLst>
+              <a:path w="11320181" h="2013151">
+                <a:moveTo>
+                  <a:pt x="0" y="0"/>
+                </a:moveTo>
+                <a:lnTo>
+                  <a:pt x="11320181" y="0"/>
+                </a:lnTo>
+                <a:lnTo>
+                  <a:pt x="11320181" y="2013151"/>
+                </a:lnTo>
+                <a:lnTo>
+                  <a:pt x="0" y="2013151"/>
+                </a:lnTo>
+                <a:lnTo>
+                  <a:pt x="0" y="0"/>
+                </a:lnTo>
+                <a:close/>
+              </a:path>
+            </a:pathLst>
+          </a:custGeom>
+          <a:blipFill>
+            <a:blip r:embed="rId3"/>
+            <a:stretch>
+              <a:fillRect/>
+            </a:stretch>
+          </a:blipFill>
+        </p:spPr>
+        <p:txBody>
+          <a:bodyPr/>
+          <a:lstStyle/>
+          <a:p>
+            <a:endParaRPr lang="zh-TW" altLang="en-US"/>
+          </a:p>
+        </p:txBody>
+      </p:sp>
+      <p:sp>
+        <p:nvSpPr>
+          <p:cNvPr id="4" name="TextBox 4"/>
+          <p:cNvSpPr txBox="1"/>
+          <p:nvPr/>
+        </p:nvSpPr>
+        <p:spPr>
+          <a:xfrm>
+            <a:off x="732578" y="695801"/>
+            <a:ext cx="4496996" cy="789622"/>
+          </a:xfrm>
+          <a:prstGeom prst="rect">
+            <a:avLst/>
+          </a:prstGeom>
+        </p:spPr>
+        <p:txBody>
+          <a:bodyPr lIns="0" tIns="0" rIns="0" bIns="0" rtlCol="0" anchor="t">
+            <a:spAutoFit/>
+          </a:bodyPr>
+          <a:lstStyle/>
+          <a:p>
+            <a:pPr algn="l">
+              <a:lnSpc>
+                <a:spcPts val="5632"/>
+              </a:lnSpc>
+            </a:pPr>
+            <a:r>
+              <a:rPr lang="en-US" sz="6000">
+                <a:solidFill>
+                  <a:srgbClr val="000000"/>
+                </a:solidFill>
+                <a:latin typeface="Arimo Bold"/>
+                <a:ea typeface="Arimo Bold"/>
+                <a:cs typeface="Arimo Bold"/>
+                <a:sym typeface="Arimo Bold"/>
+              </a:rPr>
+              <a:t>Json Flie</a:t>
+            </a:r>
+          </a:p>
+        </p:txBody>
+      </p:sp>
+      <p:sp>
+        <p:nvSpPr>
+          <p:cNvPr id="5" name="TextBox 5"/>
+          <p:cNvSpPr txBox="1"/>
+          <p:nvPr/>
+        </p:nvSpPr>
+        <p:spPr>
+          <a:xfrm>
+            <a:off x="8254028" y="6738581"/>
+            <a:ext cx="9357271" cy="830266"/>
+          </a:xfrm>
+          <a:prstGeom prst="rect">
+            <a:avLst/>
+          </a:prstGeom>
+        </p:spPr>
+        <p:txBody>
+          <a:bodyPr lIns="0" tIns="0" rIns="0" bIns="0" rtlCol="0" anchor="t">
+            <a:spAutoFit/>
+          </a:bodyPr>
+          <a:lstStyle/>
+          <a:p>
+            <a:pPr algn="ctr">
+              <a:lnSpc>
+                <a:spcPts val="3075"/>
+              </a:lnSpc>
+            </a:pPr>
+            <a:r>
+              <a:rPr lang="en-US" sz="3200">
+                <a:solidFill>
+                  <a:srgbClr val="000000"/>
+                </a:solidFill>
+                <a:latin typeface="Arimo Bold"/>
+                <a:ea typeface="Arimo Bold"/>
+                <a:cs typeface="Arimo Bold"/>
+                <a:sym typeface="Arimo Bold"/>
+              </a:rPr>
+              <a:t>After Cleaning</a:t>
+            </a:r>
+          </a:p>
+          <a:p>
+            <a:pPr algn="ctr">
+              <a:lnSpc>
+                <a:spcPts val="3076"/>
+              </a:lnSpc>
+            </a:pPr>
+            <a:endParaRPr lang="en-US" sz="3200">
+              <a:solidFill>
+                <a:srgbClr val="000000"/>
+              </a:solidFill>
+              <a:latin typeface="Arimo Bold"/>
+              <a:ea typeface="Arimo Bold"/>
+              <a:cs typeface="Arimo Bold"/>
+              <a:sym typeface="Arimo Bold"/>
+            </a:endParaRPr>
+          </a:p>
+        </p:txBody>
+      </p:sp>
+      <p:sp>
+        <p:nvSpPr>
+          <p:cNvPr id="6" name="TextBox 6"/>
+          <p:cNvSpPr txBox="1"/>
+          <p:nvPr/>
+        </p:nvSpPr>
+        <p:spPr>
+          <a:xfrm>
+            <a:off x="13140269" y="2927867"/>
+            <a:ext cx="3189749" cy="439809"/>
+          </a:xfrm>
+          <a:prstGeom prst="rect">
+            <a:avLst/>
+          </a:prstGeom>
+        </p:spPr>
+        <p:txBody>
+          <a:bodyPr lIns="0" tIns="0" rIns="0" bIns="0" rtlCol="0" anchor="t">
+            <a:spAutoFit/>
+          </a:bodyPr>
+          <a:lstStyle/>
+          <a:p>
+            <a:pPr algn="l">
+              <a:lnSpc>
+                <a:spcPts val="3075"/>
+              </a:lnSpc>
+            </a:pPr>
+            <a:r>
+              <a:rPr lang="en-US" sz="3199">
+                <a:solidFill>
+                  <a:srgbClr val="000000"/>
+                </a:solidFill>
+                <a:latin typeface="Arimo Bold"/>
+                <a:ea typeface="Arimo Bold"/>
+                <a:cs typeface="Arimo Bold"/>
+                <a:sym typeface="Arimo Bold"/>
+              </a:rPr>
+              <a:t>Before Cleaning</a:t>
+            </a:r>
+          </a:p>
+        </p:txBody>
+      </p:sp>
+      <p:sp>
+        <p:nvSpPr>
+          <p:cNvPr id="7" name="TextBox 7"/>
+          <p:cNvSpPr txBox="1"/>
+          <p:nvPr/>
+        </p:nvSpPr>
+        <p:spPr>
+          <a:xfrm>
+            <a:off x="8505770" y="7568847"/>
+            <a:ext cx="8853785" cy="531926"/>
+          </a:xfrm>
+          <a:prstGeom prst="rect">
+            <a:avLst/>
+          </a:prstGeom>
+        </p:spPr>
+        <p:txBody>
+          <a:bodyPr lIns="0" tIns="0" rIns="0" bIns="0" rtlCol="0" anchor="t">
+            <a:spAutoFit/>
+          </a:bodyPr>
+          <a:lstStyle/>
+          <a:p>
+            <a:pPr algn="ctr">
+              <a:lnSpc>
+                <a:spcPts val="4000"/>
+              </a:lnSpc>
+              <a:spcBef>
+                <a:spcPct val="0"/>
+              </a:spcBef>
+            </a:pPr>
+            <a:r>
+              <a:rPr lang="en-US" sz="3200" dirty="0">
+                <a:solidFill>
+                  <a:srgbClr val="000000"/>
+                </a:solidFill>
+                <a:latin typeface="Arimo"/>
+                <a:ea typeface="Arimo"/>
+                <a:cs typeface="Arimo"/>
+                <a:sym typeface="Arimo"/>
+              </a:rPr>
+              <a:t>Remove first 2 key,  Round to 2nd decimal place,</a:t>
+            </a:r>
+          </a:p>
+        </p:txBody>
+      </p:sp>
+      <p:pic>
+        <p:nvPicPr>
+          <p:cNvPr id="9" name="圖片 8" descr="一張含有 文字, 螢幕擷取畫面, 字型, 設計 的圖片&#10;&#10;自動產生的描述">
+            <a:extLst>
+              <a:ext uri="{FF2B5EF4-FFF2-40B4-BE49-F238E27FC236}">
+                <a16:creationId xmlns:a16="http://schemas.microsoft.com/office/drawing/2014/main" id="{F39A5808-E1B9-894A-9C4A-0B644E3039CF}"/>
+              </a:ext>
+            </a:extLst>
+          </p:cNvPr>
+          <p:cNvPicPr>
+            <a:picLocks noChangeAspect="1"/>
+          </p:cNvPicPr>
+          <p:nvPr/>
+        </p:nvPicPr>
+        <p:blipFill>
+          <a:blip r:embed="rId4">
+            <a:extLst>
+              <a:ext uri="{28A0092B-C50C-407E-A947-70E740481C1C}">
+                <a14:useLocalDpi xmlns:a14="http://schemas.microsoft.com/office/drawing/2010/main" val="0"/>
+              </a:ext>
+            </a:extLst>
+          </a:blip>
+          <a:stretch>
+            <a:fillRect/>
+          </a:stretch>
+        </p:blipFill>
+        <p:spPr>
+          <a:xfrm>
+            <a:off x="2829274" y="4638807"/>
+            <a:ext cx="4800600" cy="5033227"/>
+          </a:xfrm>
+          <a:prstGeom prst="rect">
+            <a:avLst/>
+          </a:prstGeom>
+        </p:spPr>
+      </p:pic>
+    </p:spTree>
+  </p:cSld>
+  <p:clrMapOvr>
+    <a:masterClrMapping/>
+  </p:clrMapOvr>
+</p:sld>
+</file>
+
+<file path=ppt/slides/slide4.xml><?xml version="1.0" encoding="utf-8"?>
 <p:sld xmlns:a="http://schemas.openxmlformats.org/drawingml/2006/main" xmlns:r="http://schemas.openxmlformats.org/officeDocument/2006/relationships" xmlns:p="http://schemas.openxmlformats.org/presentationml/2006/main">
   <p:cSld>
     <p:spTree>
@@ -9627,7 +11016,7 @@
         </p:nvSpPr>
         <p:spPr>
           <a:xfrm>
-            <a:off x="1066800" y="3086100"/>
+            <a:off x="1066800" y="3133538"/>
             <a:ext cx="3367225" cy="914400"/>
           </a:xfrm>
           <a:prstGeom prst="rect">
@@ -9974,7 +11363,7 @@
         <p:spPr>
           <a:xfrm flipH="1">
             <a:off x="4434025" y="3543300"/>
-            <a:ext cx="680378" cy="0"/>
+            <a:ext cx="680378" cy="47438"/>
           </a:xfrm>
           <a:prstGeom prst="line">
             <a:avLst/>
@@ -10053,7 +11442,7 @@
 </p:sld>
 </file>
 
-<file path=ppt/slides/slide4.xml><?xml version="1.0" encoding="utf-8"?>
+<file path=ppt/slides/slide5.xml><?xml version="1.0" encoding="utf-8"?>
 <p:sld xmlns:a="http://schemas.openxmlformats.org/drawingml/2006/main" xmlns:r="http://schemas.openxmlformats.org/officeDocument/2006/relationships" xmlns:p="http://schemas.openxmlformats.org/presentationml/2006/main">
   <p:cSld>
     <p:spTree>
@@ -10350,303 +11739,6 @@
           </a:p>
         </p:txBody>
       </p:sp>
-    </p:spTree>
-  </p:cSld>
-  <p:clrMapOvr>
-    <a:masterClrMapping/>
-  </p:clrMapOvr>
-</p:sld>
-</file>
-
-<file path=ppt/slides/slide5.xml><?xml version="1.0" encoding="utf-8"?>
-<p:sld xmlns:a="http://schemas.openxmlformats.org/drawingml/2006/main" xmlns:r="http://schemas.openxmlformats.org/officeDocument/2006/relationships" xmlns:p="http://schemas.openxmlformats.org/presentationml/2006/main">
-  <p:cSld>
-    <p:spTree>
-      <p:nvGrpSpPr>
-        <p:cNvPr id="1" name=""/>
-        <p:cNvGrpSpPr/>
-        <p:nvPr/>
-      </p:nvGrpSpPr>
-      <p:grpSpPr>
-        <a:xfrm>
-          <a:off x="0" y="0"/>
-          <a:ext cx="0" cy="0"/>
-          <a:chOff x="0" y="0"/>
-          <a:chExt cx="0" cy="0"/>
-        </a:xfrm>
-      </p:grpSpPr>
-      <p:sp>
-        <p:nvSpPr>
-          <p:cNvPr id="2" name="Freeform 2"/>
-          <p:cNvSpPr/>
-          <p:nvPr/>
-        </p:nvSpPr>
-        <p:spPr>
-          <a:xfrm>
-            <a:off x="1176709" y="2117383"/>
-            <a:ext cx="11320181" cy="2013151"/>
-          </a:xfrm>
-          <a:custGeom>
-            <a:avLst/>
-            <a:gdLst/>
-            <a:ahLst/>
-            <a:cxnLst/>
-            <a:rect l="l" t="t" r="r" b="b"/>
-            <a:pathLst>
-              <a:path w="11320181" h="2013151">
-                <a:moveTo>
-                  <a:pt x="0" y="0"/>
-                </a:moveTo>
-                <a:lnTo>
-                  <a:pt x="11320181" y="0"/>
-                </a:lnTo>
-                <a:lnTo>
-                  <a:pt x="11320181" y="2013151"/>
-                </a:lnTo>
-                <a:lnTo>
-                  <a:pt x="0" y="2013151"/>
-                </a:lnTo>
-                <a:lnTo>
-                  <a:pt x="0" y="0"/>
-                </a:lnTo>
-                <a:close/>
-              </a:path>
-            </a:pathLst>
-          </a:custGeom>
-          <a:blipFill>
-            <a:blip r:embed="rId3"/>
-            <a:stretch>
-              <a:fillRect/>
-            </a:stretch>
-          </a:blipFill>
-        </p:spPr>
-        <p:txBody>
-          <a:bodyPr/>
-          <a:lstStyle/>
-          <a:p>
-            <a:endParaRPr lang="zh-TW" altLang="en-US"/>
-          </a:p>
-        </p:txBody>
-      </p:sp>
-      <p:sp>
-        <p:nvSpPr>
-          <p:cNvPr id="4" name="TextBox 4"/>
-          <p:cNvSpPr txBox="1"/>
-          <p:nvPr/>
-        </p:nvSpPr>
-        <p:spPr>
-          <a:xfrm>
-            <a:off x="732578" y="695801"/>
-            <a:ext cx="4496996" cy="789622"/>
-          </a:xfrm>
-          <a:prstGeom prst="rect">
-            <a:avLst/>
-          </a:prstGeom>
-        </p:spPr>
-        <p:txBody>
-          <a:bodyPr lIns="0" tIns="0" rIns="0" bIns="0" rtlCol="0" anchor="t">
-            <a:spAutoFit/>
-          </a:bodyPr>
-          <a:lstStyle/>
-          <a:p>
-            <a:pPr algn="l">
-              <a:lnSpc>
-                <a:spcPts val="5632"/>
-              </a:lnSpc>
-            </a:pPr>
-            <a:r>
-              <a:rPr lang="en-US" sz="6000">
-                <a:solidFill>
-                  <a:srgbClr val="000000"/>
-                </a:solidFill>
-                <a:latin typeface="Arimo Bold"/>
-                <a:ea typeface="Arimo Bold"/>
-                <a:cs typeface="Arimo Bold"/>
-                <a:sym typeface="Arimo Bold"/>
-              </a:rPr>
-              <a:t>Json Flie</a:t>
-            </a:r>
-          </a:p>
-        </p:txBody>
-      </p:sp>
-      <p:sp>
-        <p:nvSpPr>
-          <p:cNvPr id="5" name="TextBox 5"/>
-          <p:cNvSpPr txBox="1"/>
-          <p:nvPr/>
-        </p:nvSpPr>
-        <p:spPr>
-          <a:xfrm>
-            <a:off x="8254028" y="6738581"/>
-            <a:ext cx="9357271" cy="830266"/>
-          </a:xfrm>
-          <a:prstGeom prst="rect">
-            <a:avLst/>
-          </a:prstGeom>
-        </p:spPr>
-        <p:txBody>
-          <a:bodyPr lIns="0" tIns="0" rIns="0" bIns="0" rtlCol="0" anchor="t">
-            <a:spAutoFit/>
-          </a:bodyPr>
-          <a:lstStyle/>
-          <a:p>
-            <a:pPr algn="ctr">
-              <a:lnSpc>
-                <a:spcPts val="3075"/>
-              </a:lnSpc>
-            </a:pPr>
-            <a:r>
-              <a:rPr lang="en-US" sz="3200">
-                <a:solidFill>
-                  <a:srgbClr val="000000"/>
-                </a:solidFill>
-                <a:latin typeface="Arimo Bold"/>
-                <a:ea typeface="Arimo Bold"/>
-                <a:cs typeface="Arimo Bold"/>
-                <a:sym typeface="Arimo Bold"/>
-              </a:rPr>
-              <a:t>After Cleaning</a:t>
-            </a:r>
-          </a:p>
-          <a:p>
-            <a:pPr algn="ctr">
-              <a:lnSpc>
-                <a:spcPts val="3076"/>
-              </a:lnSpc>
-            </a:pPr>
-            <a:endParaRPr lang="en-US" sz="3200">
-              <a:solidFill>
-                <a:srgbClr val="000000"/>
-              </a:solidFill>
-              <a:latin typeface="Arimo Bold"/>
-              <a:ea typeface="Arimo Bold"/>
-              <a:cs typeface="Arimo Bold"/>
-              <a:sym typeface="Arimo Bold"/>
-            </a:endParaRPr>
-          </a:p>
-        </p:txBody>
-      </p:sp>
-      <p:sp>
-        <p:nvSpPr>
-          <p:cNvPr id="6" name="TextBox 6"/>
-          <p:cNvSpPr txBox="1"/>
-          <p:nvPr/>
-        </p:nvSpPr>
-        <p:spPr>
-          <a:xfrm>
-            <a:off x="13140269" y="2927867"/>
-            <a:ext cx="3189749" cy="439809"/>
-          </a:xfrm>
-          <a:prstGeom prst="rect">
-            <a:avLst/>
-          </a:prstGeom>
-        </p:spPr>
-        <p:txBody>
-          <a:bodyPr lIns="0" tIns="0" rIns="0" bIns="0" rtlCol="0" anchor="t">
-            <a:spAutoFit/>
-          </a:bodyPr>
-          <a:lstStyle/>
-          <a:p>
-            <a:pPr algn="l">
-              <a:lnSpc>
-                <a:spcPts val="3075"/>
-              </a:lnSpc>
-            </a:pPr>
-            <a:r>
-              <a:rPr lang="en-US" sz="3199">
-                <a:solidFill>
-                  <a:srgbClr val="000000"/>
-                </a:solidFill>
-                <a:latin typeface="Arimo Bold"/>
-                <a:ea typeface="Arimo Bold"/>
-                <a:cs typeface="Arimo Bold"/>
-                <a:sym typeface="Arimo Bold"/>
-              </a:rPr>
-              <a:t>Before Cleaning</a:t>
-            </a:r>
-          </a:p>
-        </p:txBody>
-      </p:sp>
-      <p:sp>
-        <p:nvSpPr>
-          <p:cNvPr id="7" name="TextBox 7"/>
-          <p:cNvSpPr txBox="1"/>
-          <p:nvPr/>
-        </p:nvSpPr>
-        <p:spPr>
-          <a:xfrm>
-            <a:off x="8505770" y="7568847"/>
-            <a:ext cx="8853785" cy="531926"/>
-          </a:xfrm>
-          <a:prstGeom prst="rect">
-            <a:avLst/>
-          </a:prstGeom>
-        </p:spPr>
-        <p:txBody>
-          <a:bodyPr lIns="0" tIns="0" rIns="0" bIns="0" rtlCol="0" anchor="t">
-            <a:spAutoFit/>
-          </a:bodyPr>
-          <a:lstStyle/>
-          <a:p>
-            <a:pPr algn="ctr">
-              <a:lnSpc>
-                <a:spcPts val="4000"/>
-              </a:lnSpc>
-              <a:spcBef>
-                <a:spcPct val="0"/>
-              </a:spcBef>
-            </a:pPr>
-            <a:r>
-              <a:rPr lang="en-US" sz="3200" dirty="0">
-                <a:solidFill>
-                  <a:srgbClr val="000000"/>
-                </a:solidFill>
-                <a:latin typeface="Arimo"/>
-                <a:ea typeface="Arimo"/>
-                <a:cs typeface="Arimo"/>
-                <a:sym typeface="Arimo"/>
-              </a:rPr>
-              <a:t>Remove first 2 key,  Round to 2nd decimal place,</a:t>
-            </a:r>
-          </a:p>
-        </p:txBody>
-      </p:sp>
-      <p:pic>
-        <p:nvPicPr>
-          <p:cNvPr id="9" name="圖片 8" descr="一張含有 文字, 螢幕擷取畫面, 字型, 設計 的圖片&#10;&#10;自動產生的描述">
-            <a:extLst>
-              <a:ext uri="{FF2B5EF4-FFF2-40B4-BE49-F238E27FC236}">
-                <a16:creationId xmlns:a16="http://schemas.microsoft.com/office/drawing/2014/main" id="{F39A5808-E1B9-894A-9C4A-0B644E3039CF}"/>
-              </a:ext>
-            </a:extLst>
-          </p:cNvPr>
-          <p:cNvPicPr>
-            <a:picLocks noChangeAspect="1"/>
-          </p:cNvPicPr>
-          <p:nvPr/>
-        </p:nvPicPr>
-        <p:blipFill>
-          <a:blip r:embed="rId4">
-            <a:extLst>
-              <a:ext uri="{28A0092B-C50C-407E-A947-70E740481C1C}">
-                <a14:useLocalDpi xmlns:a14="http://schemas.microsoft.com/office/drawing/2010/main" val="0"/>
-              </a:ext>
-            </a:extLst>
-          </a:blip>
-          <a:stretch>
-            <a:fillRect/>
-          </a:stretch>
-        </p:blipFill>
-        <p:spPr>
-          <a:xfrm>
-            <a:off x="2829274" y="4638807"/>
-            <a:ext cx="4800600" cy="5033227"/>
-          </a:xfrm>
-          <a:prstGeom prst="rect">
-            <a:avLst/>
-          </a:prstGeom>
-        </p:spPr>
-      </p:pic>
     </p:spTree>
   </p:cSld>
   <p:clrMapOvr>

--- a/causalAi_chatBot/Chatbot.pptx
+++ b/causalAi_chatBot/Chatbot.pptx
@@ -3675,8 +3675,8 @@
         </p:nvSpPr>
         <p:spPr>
           <a:xfrm>
-            <a:off x="2857500" y="512763"/>
-            <a:ext cx="3429000" cy="2566987"/>
+            <a:off x="2290763" y="512763"/>
+            <a:ext cx="4562475" cy="2566987"/>
           </a:xfrm>
           <a:prstGeom prst="rect">
             <a:avLst/>
@@ -3937,84 +3937,6 @@
           <a:bodyPr vert="horz" lIns="91440" tIns="45720" rIns="91440" bIns="45720" rtlCol="0"/>
           <a:lstStyle/>
           <a:p>
-            <a:r>
-              <a:rPr lang="zh-TW" altLang="en-US" b="0" i="0" dirty="0">
-                <a:solidFill>
-                  <a:srgbClr val="242424"/>
-                </a:solidFill>
-                <a:effectLst/>
-                <a:highlight>
-                  <a:srgbClr val="FFFFFF"/>
-                </a:highlight>
-                <a:latin typeface="source-serif-pro"/>
-              </a:rPr>
-              <a:t>它是用於開發由語言模型支援的應用程式的框架，</a:t>
-            </a:r>
-            <a:r>
-              <a:rPr lang="en-US" altLang="zh-TW" b="0" i="0" dirty="0" err="1">
-                <a:solidFill>
-                  <a:srgbClr val="242424"/>
-                </a:solidFill>
-                <a:effectLst/>
-                <a:highlight>
-                  <a:srgbClr val="FFFFFF"/>
-                </a:highlight>
-                <a:latin typeface="source-serif-pro"/>
-              </a:rPr>
-              <a:t>LangChain</a:t>
-            </a:r>
-            <a:r>
-              <a:rPr lang="en-US" altLang="zh-TW" b="0" i="0" dirty="0">
-                <a:solidFill>
-                  <a:srgbClr val="242424"/>
-                </a:solidFill>
-                <a:effectLst/>
-                <a:highlight>
-                  <a:srgbClr val="FFFFFF"/>
-                </a:highlight>
-                <a:latin typeface="source-serif-pro"/>
-              </a:rPr>
-              <a:t> </a:t>
-            </a:r>
-            <a:r>
-              <a:rPr lang="zh-TW" altLang="en-US" b="0" i="0" dirty="0">
-                <a:solidFill>
-                  <a:srgbClr val="242424"/>
-                </a:solidFill>
-                <a:effectLst/>
-                <a:highlight>
-                  <a:srgbClr val="FFFFFF"/>
-                </a:highlight>
-                <a:latin typeface="source-serif-pro"/>
-              </a:rPr>
-              <a:t>就像膠水一樣，有各種接口可以將 </a:t>
-            </a:r>
-            <a:r>
-              <a:rPr lang="en-US" altLang="zh-TW" b="0" i="0" dirty="0">
-                <a:solidFill>
-                  <a:srgbClr val="242424"/>
-                </a:solidFill>
-                <a:effectLst/>
-                <a:highlight>
-                  <a:srgbClr val="FFFFFF"/>
-                </a:highlight>
-                <a:latin typeface="source-serif-pro"/>
-              </a:rPr>
-              <a:t>LLM </a:t>
-            </a:r>
-            <a:r>
-              <a:rPr lang="zh-TW" altLang="en-US" b="0" i="0" dirty="0">
-                <a:solidFill>
-                  <a:srgbClr val="242424"/>
-                </a:solidFill>
-                <a:effectLst/>
-                <a:highlight>
-                  <a:srgbClr val="FFFFFF"/>
-                </a:highlight>
-                <a:latin typeface="source-serif-pro"/>
-              </a:rPr>
-              <a:t>模型與其他工具和數據源連接</a:t>
-            </a:r>
             <a:endParaRPr lang="en-US" dirty="0"/>
           </a:p>
         </p:txBody>
@@ -10377,7 +10299,7 @@
               </a:lnSpc>
             </a:pPr>
             <a:r>
-              <a:rPr lang="en-US" sz="6000">
+              <a:rPr lang="en-US" sz="6000" dirty="0">
                 <a:solidFill>
                   <a:srgbClr val="000000"/>
                 </a:solidFill>
@@ -10386,8 +10308,29 @@
                 <a:cs typeface="Arimo Bold"/>
                 <a:sym typeface="Arimo Bold"/>
               </a:rPr>
-              <a:t>Json Flie</a:t>
-            </a:r>
+              <a:t>Json </a:t>
+            </a:r>
+            <a:r>
+              <a:rPr lang="en-US" sz="6000" dirty="0" err="1">
+                <a:solidFill>
+                  <a:srgbClr val="000000"/>
+                </a:solidFill>
+                <a:latin typeface="Arimo Bold"/>
+                <a:ea typeface="Arimo Bold"/>
+                <a:cs typeface="Arimo Bold"/>
+                <a:sym typeface="Arimo Bold"/>
+              </a:rPr>
+              <a:t>Flie</a:t>
+            </a:r>
+            <a:endParaRPr lang="en-US" sz="6000" dirty="0">
+              <a:solidFill>
+                <a:srgbClr val="000000"/>
+              </a:solidFill>
+              <a:latin typeface="Arimo Bold"/>
+              <a:ea typeface="Arimo Bold"/>
+              <a:cs typeface="Arimo Bold"/>
+              <a:sym typeface="Arimo Bold"/>
+            </a:endParaRPr>
           </a:p>
         </p:txBody>
       </p:sp>
@@ -10498,7 +10441,7 @@
         <p:spPr>
           <a:xfrm>
             <a:off x="8505770" y="7568847"/>
-            <a:ext cx="8853785" cy="531926"/>
+            <a:ext cx="8853785" cy="478144"/>
           </a:xfrm>
           <a:prstGeom prst="rect">
             <a:avLst/>
@@ -10528,7 +10471,7 @@
                 <a:cs typeface="Arimo"/>
                 <a:sym typeface="Arimo"/>
               </a:rPr>
-              <a:t>Remove first 2 key,  Round to 2nd decimal place,</a:t>
+              <a:t>Remove first 2 key,  Round to 2nd decimal place</a:t>
             </a:r>
           </a:p>
         </p:txBody>
@@ -10569,6 +10512,161 @@
           </a:prstGeom>
         </p:spPr>
       </p:pic>
+      <p:sp>
+        <p:nvSpPr>
+          <p:cNvPr id="3" name="TextBox 7">
+            <a:extLst>
+              <a:ext uri="{FF2B5EF4-FFF2-40B4-BE49-F238E27FC236}">
+                <a16:creationId xmlns:a16="http://schemas.microsoft.com/office/drawing/2014/main" id="{612472CE-E7EE-533A-40A6-C9D8E4718DC2}"/>
+              </a:ext>
+            </a:extLst>
+          </p:cNvPr>
+          <p:cNvSpPr txBox="1"/>
+          <p:nvPr/>
+        </p:nvSpPr>
+        <p:spPr>
+          <a:xfrm>
+            <a:off x="8515949" y="8169617"/>
+            <a:ext cx="8853785" cy="478144"/>
+          </a:xfrm>
+          <a:prstGeom prst="rect">
+            <a:avLst/>
+          </a:prstGeom>
+        </p:spPr>
+        <p:txBody>
+          <a:bodyPr lIns="0" tIns="0" rIns="0" bIns="0" rtlCol="0" anchor="t">
+            <a:spAutoFit/>
+          </a:bodyPr>
+          <a:lstStyle/>
+          <a:p>
+            <a:pPr algn="ctr">
+              <a:lnSpc>
+                <a:spcPts val="4000"/>
+              </a:lnSpc>
+              <a:spcBef>
+                <a:spcPct val="0"/>
+              </a:spcBef>
+            </a:pPr>
+            <a:r>
+              <a:rPr lang="en-US" altLang="zh-TW" sz="3200" dirty="0">
+                <a:solidFill>
+                  <a:srgbClr val="000000"/>
+                </a:solidFill>
+                <a:latin typeface="Arimo"/>
+                <a:ea typeface="Arimo"/>
+                <a:cs typeface="Arimo"/>
+                <a:sym typeface="Arimo"/>
+              </a:rPr>
+              <a:t>Remove objects</a:t>
+            </a:r>
+            <a:r>
+              <a:rPr lang="zh-TW" altLang="en-US" sz="3200" dirty="0">
+                <a:solidFill>
+                  <a:srgbClr val="000000"/>
+                </a:solidFill>
+                <a:latin typeface="Arimo"/>
+                <a:ea typeface="Arimo"/>
+                <a:cs typeface="Arimo"/>
+                <a:sym typeface="Arimo"/>
+              </a:rPr>
+              <a:t> </a:t>
+            </a:r>
+            <a:r>
+              <a:rPr lang="en-US" altLang="zh-TW" sz="3200" dirty="0">
+                <a:solidFill>
+                  <a:srgbClr val="000000"/>
+                </a:solidFill>
+                <a:latin typeface="Arimo"/>
+                <a:ea typeface="Arimo"/>
+                <a:cs typeface="Arimo"/>
+                <a:sym typeface="Arimo"/>
+              </a:rPr>
+              <a:t>that</a:t>
+            </a:r>
+            <a:r>
+              <a:rPr lang="zh-TW" altLang="en-US" sz="3200" dirty="0">
+                <a:solidFill>
+                  <a:srgbClr val="000000"/>
+                </a:solidFill>
+                <a:latin typeface="Arimo"/>
+                <a:ea typeface="Arimo"/>
+                <a:cs typeface="Arimo"/>
+                <a:sym typeface="Arimo"/>
+              </a:rPr>
+              <a:t> </a:t>
+            </a:r>
+            <a:r>
+              <a:rPr lang="en-US" altLang="zh-TW" sz="3200" dirty="0">
+                <a:solidFill>
+                  <a:srgbClr val="000000"/>
+                </a:solidFill>
+                <a:latin typeface="Arimo"/>
+                <a:ea typeface="Arimo"/>
+                <a:cs typeface="Arimo"/>
+                <a:sym typeface="Arimo"/>
+              </a:rPr>
+              <a:t>imp</a:t>
+            </a:r>
+            <a:r>
+              <a:rPr lang="zh-TW" altLang="en-US" sz="3200" dirty="0">
+                <a:solidFill>
+                  <a:srgbClr val="000000"/>
+                </a:solidFill>
+                <a:latin typeface="Arimo"/>
+                <a:ea typeface="Arimo"/>
+                <a:cs typeface="Arimo"/>
+                <a:sym typeface="Arimo"/>
+              </a:rPr>
+              <a:t> </a:t>
+            </a:r>
+            <a:r>
+              <a:rPr lang="en-US" altLang="zh-TW" sz="3200" dirty="0">
+                <a:solidFill>
+                  <a:srgbClr val="000000"/>
+                </a:solidFill>
+                <a:latin typeface="Arimo"/>
+                <a:ea typeface="Arimo"/>
+                <a:cs typeface="Arimo"/>
+                <a:sym typeface="Arimo"/>
+              </a:rPr>
+              <a:t>value</a:t>
+            </a:r>
+            <a:r>
+              <a:rPr lang="zh-TW" altLang="en-US" sz="3200" dirty="0">
+                <a:solidFill>
+                  <a:srgbClr val="000000"/>
+                </a:solidFill>
+                <a:latin typeface="Arimo"/>
+                <a:ea typeface="Arimo"/>
+                <a:cs typeface="Arimo"/>
+                <a:sym typeface="Arimo"/>
+              </a:rPr>
+              <a:t> </a:t>
+            </a:r>
+            <a:r>
+              <a:rPr lang="en-US" altLang="zh-TW" sz="3200" dirty="0">
+                <a:solidFill>
+                  <a:srgbClr val="000000"/>
+                </a:solidFill>
+                <a:latin typeface="Arimo"/>
+                <a:ea typeface="Arimo"/>
+                <a:cs typeface="Arimo"/>
+                <a:sym typeface="Arimo"/>
+              </a:rPr>
+              <a:t>is 0</a:t>
+            </a:r>
+            <a:endParaRPr lang="en-US" sz="3200" dirty="0">
+              <a:solidFill>
+                <a:srgbClr val="000000"/>
+              </a:solidFill>
+              <a:latin typeface="Arimo"/>
+              <a:ea typeface="Arimo"/>
+              <a:cs typeface="Arimo"/>
+              <a:sym typeface="Arimo"/>
+            </a:endParaRPr>
+          </a:p>
+        </p:txBody>
+      </p:sp>
     </p:spTree>
   </p:cSld>
   <p:clrMapOvr>
@@ -10596,74 +10694,21 @@
       </p:grpSpPr>
       <p:sp>
         <p:nvSpPr>
-          <p:cNvPr id="2" name="Freeform 2"/>
-          <p:cNvSpPr/>
-          <p:nvPr/>
-        </p:nvSpPr>
-        <p:spPr>
-          <a:xfrm>
-            <a:off x="909866" y="571985"/>
-            <a:ext cx="3602627" cy="9143030"/>
-          </a:xfrm>
-          <a:custGeom>
-            <a:avLst/>
-            <a:gdLst/>
-            <a:ahLst/>
-            <a:cxnLst/>
-            <a:rect l="l" t="t" r="r" b="b"/>
-            <a:pathLst>
-              <a:path w="3602627" h="9143030">
-                <a:moveTo>
-                  <a:pt x="0" y="0"/>
-                </a:moveTo>
-                <a:lnTo>
-                  <a:pt x="3602627" y="0"/>
-                </a:lnTo>
-                <a:lnTo>
-                  <a:pt x="3602627" y="9143030"/>
-                </a:lnTo>
-                <a:lnTo>
-                  <a:pt x="0" y="9143030"/>
-                </a:lnTo>
-                <a:lnTo>
-                  <a:pt x="0" y="0"/>
-                </a:lnTo>
-                <a:close/>
-              </a:path>
-            </a:pathLst>
-          </a:custGeom>
-          <a:blipFill>
-            <a:blip r:embed="rId3"/>
-            <a:stretch>
-              <a:fillRect/>
-            </a:stretch>
-          </a:blipFill>
-        </p:spPr>
-        <p:txBody>
-          <a:bodyPr/>
-          <a:lstStyle/>
-          <a:p>
-            <a:endParaRPr lang="zh-TW" altLang="en-US"/>
-          </a:p>
-        </p:txBody>
-      </p:sp>
-      <p:sp>
-        <p:nvSpPr>
           <p:cNvPr id="3" name="TextBox 3"/>
           <p:cNvSpPr txBox="1"/>
           <p:nvPr/>
         </p:nvSpPr>
         <p:spPr>
           <a:xfrm>
-            <a:off x="5114403" y="3128167"/>
-            <a:ext cx="10882846" cy="830266"/>
-          </a:xfrm>
-          <a:prstGeom prst="rect">
-            <a:avLst/>
-          </a:prstGeom>
-        </p:spPr>
-        <p:txBody>
-          <a:bodyPr lIns="0" tIns="0" rIns="0" bIns="0" rtlCol="0" anchor="t">
+            <a:off x="5646821" y="7307682"/>
+            <a:ext cx="12649200" cy="397545"/>
+          </a:xfrm>
+          <a:prstGeom prst="rect">
+            <a:avLst/>
+          </a:prstGeom>
+        </p:spPr>
+        <p:txBody>
+          <a:bodyPr wrap="square" lIns="0" tIns="0" rIns="0" bIns="0" rtlCol="0" anchor="t">
             <a:spAutoFit/>
           </a:bodyPr>
           <a:lstStyle/>
@@ -10674,7 +10719,7 @@
               </a:lnSpc>
             </a:pPr>
             <a:r>
-              <a:rPr lang="en-US" sz="3199" dirty="0">
+              <a:rPr lang="zh-TW" altLang="en-US" sz="3199" dirty="0">
                 <a:solidFill>
                   <a:srgbClr val="0E1117"/>
                 </a:solidFill>
@@ -10683,9 +10728,211 @@
                 <a:cs typeface="Arimo"/>
                 <a:sym typeface="Arimo"/>
               </a:rPr>
+              <a:t> </a:t>
+            </a:r>
+            <a:r>
+              <a:rPr lang="en-US" sz="3199" dirty="0">
+                <a:solidFill>
+                  <a:srgbClr val="0E1117"/>
+                </a:solidFill>
+                <a:latin typeface="Arimo"/>
+                <a:ea typeface="Arimo"/>
+                <a:cs typeface="Arimo"/>
+                <a:sym typeface="Arimo"/>
+              </a:rPr>
               <a:t>Here to choose the model</a:t>
             </a:r>
-          </a:p>
+            <a:r>
+              <a:rPr lang="zh-TW" altLang="en-US" sz="3199" dirty="0">
+                <a:solidFill>
+                  <a:srgbClr val="0E1117"/>
+                </a:solidFill>
+                <a:latin typeface="Arimo"/>
+                <a:ea typeface="Arimo"/>
+                <a:cs typeface="Arimo"/>
+                <a:sym typeface="Arimo"/>
+              </a:rPr>
+              <a:t> </a:t>
+            </a:r>
+            <a:r>
+              <a:rPr lang="en-US" altLang="zh-TW" sz="3199" dirty="0">
+                <a:solidFill>
+                  <a:srgbClr val="0E1117"/>
+                </a:solidFill>
+                <a:latin typeface="Arimo"/>
+                <a:ea typeface="Arimo"/>
+                <a:cs typeface="Arimo"/>
+                <a:sym typeface="Arimo"/>
+              </a:rPr>
+              <a:t>{</a:t>
+            </a:r>
+            <a:r>
+              <a:rPr lang="zh-TW" altLang="en-US" sz="3199" dirty="0">
+                <a:solidFill>
+                  <a:srgbClr val="0E1117"/>
+                </a:solidFill>
+                <a:latin typeface="Arimo"/>
+                <a:ea typeface="Arimo"/>
+                <a:cs typeface="Arimo"/>
+                <a:sym typeface="Arimo"/>
+              </a:rPr>
+              <a:t> </a:t>
+            </a:r>
+            <a:r>
+              <a:rPr lang="en-US" sz="3199" dirty="0">
+                <a:solidFill>
+                  <a:srgbClr val="0E1117"/>
+                </a:solidFill>
+                <a:latin typeface="Arimo"/>
+                <a:ea typeface="Arimo"/>
+                <a:cs typeface="Arimo"/>
+                <a:sym typeface="Arimo"/>
+              </a:rPr>
+              <a:t>llama3 8b, GPT</a:t>
+            </a:r>
+            <a:r>
+              <a:rPr lang="zh-TW" altLang="en-US" sz="3199" dirty="0">
+                <a:solidFill>
+                  <a:srgbClr val="0E1117"/>
+                </a:solidFill>
+                <a:latin typeface="Arimo"/>
+                <a:ea typeface="Arimo"/>
+                <a:cs typeface="Arimo"/>
+                <a:sym typeface="Arimo"/>
+              </a:rPr>
+              <a:t> </a:t>
+            </a:r>
+            <a:r>
+              <a:rPr lang="en-US" sz="3199" dirty="0">
+                <a:solidFill>
+                  <a:srgbClr val="0E1117"/>
+                </a:solidFill>
+                <a:latin typeface="Arimo"/>
+                <a:ea typeface="Arimo"/>
+                <a:cs typeface="Arimo"/>
+                <a:sym typeface="Arimo"/>
+              </a:rPr>
+              <a:t>4-</a:t>
+            </a:r>
+            <a:r>
+              <a:rPr lang="en-US" altLang="zh-TW" sz="3199" dirty="0">
+                <a:solidFill>
+                  <a:srgbClr val="0E1117"/>
+                </a:solidFill>
+                <a:latin typeface="Arimo"/>
+                <a:ea typeface="Arimo"/>
+                <a:cs typeface="Arimo"/>
+                <a:sym typeface="Arimo"/>
+              </a:rPr>
+              <a:t>o</a:t>
+            </a:r>
+            <a:r>
+              <a:rPr lang="zh-TW" altLang="en-US" sz="3199" dirty="0">
+                <a:solidFill>
+                  <a:srgbClr val="0E1117"/>
+                </a:solidFill>
+                <a:latin typeface="Arimo"/>
+                <a:ea typeface="Arimo"/>
+                <a:cs typeface="Arimo"/>
+                <a:sym typeface="Arimo"/>
+              </a:rPr>
+              <a:t> </a:t>
+            </a:r>
+            <a:r>
+              <a:rPr lang="en-US" altLang="zh-TW" sz="3199" dirty="0">
+                <a:solidFill>
+                  <a:srgbClr val="0E1117"/>
+                </a:solidFill>
+                <a:latin typeface="Arimo"/>
+                <a:ea typeface="Arimo"/>
+                <a:cs typeface="Arimo"/>
+                <a:sym typeface="Arimo"/>
+              </a:rPr>
+              <a:t>mini</a:t>
+            </a:r>
+            <a:r>
+              <a:rPr lang="en-US" sz="3199" dirty="0">
+                <a:solidFill>
+                  <a:srgbClr val="0E1117"/>
+                </a:solidFill>
+                <a:latin typeface="Arimo"/>
+                <a:ea typeface="Arimo"/>
+                <a:cs typeface="Arimo"/>
+                <a:sym typeface="Arimo"/>
+              </a:rPr>
+              <a:t>, GPT</a:t>
+            </a:r>
+            <a:r>
+              <a:rPr lang="zh-TW" altLang="en-US" sz="3199" dirty="0">
+                <a:solidFill>
+                  <a:srgbClr val="0E1117"/>
+                </a:solidFill>
+                <a:latin typeface="Arimo"/>
+                <a:ea typeface="Arimo"/>
+                <a:cs typeface="Arimo"/>
+                <a:sym typeface="Arimo"/>
+              </a:rPr>
+              <a:t> </a:t>
+            </a:r>
+            <a:r>
+              <a:rPr lang="en-US" sz="3199" dirty="0">
+                <a:solidFill>
+                  <a:srgbClr val="0E1117"/>
+                </a:solidFill>
+                <a:latin typeface="Arimo"/>
+                <a:ea typeface="Arimo"/>
+                <a:cs typeface="Arimo"/>
+                <a:sym typeface="Arimo"/>
+              </a:rPr>
+              <a:t>4-o</a:t>
+            </a:r>
+            <a:r>
+              <a:rPr lang="zh-TW" altLang="en-US" sz="3199" dirty="0">
+                <a:solidFill>
+                  <a:srgbClr val="0E1117"/>
+                </a:solidFill>
+                <a:latin typeface="Arimo"/>
+                <a:ea typeface="Arimo"/>
+                <a:cs typeface="Arimo"/>
+                <a:sym typeface="Arimo"/>
+              </a:rPr>
+              <a:t> </a:t>
+            </a:r>
+            <a:r>
+              <a:rPr lang="en-US" sz="3199" dirty="0">
+                <a:solidFill>
+                  <a:srgbClr val="0E1117"/>
+                </a:solidFill>
+                <a:latin typeface="Arimo"/>
+                <a:ea typeface="Arimo"/>
+                <a:cs typeface="Arimo"/>
+                <a:sym typeface="Arimo"/>
+              </a:rPr>
+              <a:t>}</a:t>
+            </a:r>
+          </a:p>
+        </p:txBody>
+      </p:sp>
+      <p:sp>
+        <p:nvSpPr>
+          <p:cNvPr id="4" name="TextBox 4"/>
+          <p:cNvSpPr txBox="1"/>
+          <p:nvPr/>
+        </p:nvSpPr>
+        <p:spPr>
+          <a:xfrm>
+            <a:off x="5638800" y="4421661"/>
+            <a:ext cx="8954671" cy="403252"/>
+          </a:xfrm>
+          <a:prstGeom prst="rect">
+            <a:avLst/>
+          </a:prstGeom>
+        </p:spPr>
+        <p:txBody>
+          <a:bodyPr wrap="square" lIns="0" tIns="0" rIns="0" bIns="0" rtlCol="0" anchor="t">
+            <a:spAutoFit/>
+          </a:bodyPr>
+          <a:lstStyle/>
           <a:p>
             <a:pPr algn="l">
               <a:lnSpc>
@@ -10693,7 +10940,7 @@
               </a:lnSpc>
             </a:pPr>
             <a:r>
-              <a:rPr lang="en-US" sz="3199" dirty="0">
+              <a:rPr lang="zh-TW" altLang="en-US" sz="3600" dirty="0">
                 <a:solidFill>
                   <a:srgbClr val="0E1117"/>
                 </a:solidFill>
@@ -10702,20 +10949,56 @@
                 <a:cs typeface="Arimo"/>
                 <a:sym typeface="Arimo"/>
               </a:rPr>
-              <a:t>{1. llama3 70b, 2. llama3 8b, 3. GPT3.5-turbo, 4. GPT4-o}</a:t>
-            </a:r>
-          </a:p>
-        </p:txBody>
-      </p:sp>
-      <p:sp>
-        <p:nvSpPr>
-          <p:cNvPr id="4" name="TextBox 4"/>
+              <a:t> </a:t>
+            </a:r>
+            <a:r>
+              <a:rPr lang="en-US" sz="3600" dirty="0">
+                <a:solidFill>
+                  <a:srgbClr val="0E1117"/>
+                </a:solidFill>
+                <a:latin typeface="Arimo"/>
+                <a:ea typeface="Arimo"/>
+                <a:cs typeface="Arimo"/>
+                <a:sym typeface="Arimo"/>
+              </a:rPr>
+              <a:t>User can choose the </a:t>
+            </a:r>
+            <a:r>
+              <a:rPr lang="en-US" altLang="zh-TW" sz="3600" dirty="0">
+                <a:solidFill>
+                  <a:srgbClr val="0E1117"/>
+                </a:solidFill>
+                <a:latin typeface="Arimo"/>
+                <a:ea typeface="Arimo"/>
+                <a:cs typeface="Arimo"/>
+                <a:sym typeface="Arimo"/>
+              </a:rPr>
+              <a:t>project</a:t>
+            </a:r>
+            <a:r>
+              <a:rPr lang="en-US" sz="3600" dirty="0">
+                <a:solidFill>
+                  <a:srgbClr val="0E1117"/>
+                </a:solidFill>
+                <a:latin typeface="Arimo"/>
+                <a:ea typeface="Arimo"/>
+                <a:cs typeface="Arimo"/>
+                <a:sym typeface="Arimo"/>
+              </a:rPr>
+              <a:t> here</a:t>
+            </a:r>
+          </a:p>
+        </p:txBody>
+      </p:sp>
+      <p:sp>
+        <p:nvSpPr>
+          <p:cNvPr id="6" name="TextBox 6"/>
           <p:cNvSpPr txBox="1"/>
           <p:nvPr/>
         </p:nvSpPr>
         <p:spPr>
           <a:xfrm>
-            <a:off x="5124235" y="5376067"/>
+            <a:off x="5638800" y="8420100"/>
             <a:ext cx="8954671" cy="397545"/>
           </a:xfrm>
           <a:prstGeom prst="rect">
@@ -10723,7 +11006,7 @@
           </a:prstGeom>
         </p:spPr>
         <p:txBody>
-          <a:bodyPr wrap="square" lIns="0" tIns="0" rIns="0" bIns="0" rtlCol="0" anchor="t">
+          <a:bodyPr lIns="0" tIns="0" rIns="0" bIns="0" rtlCol="0" anchor="t">
             <a:spAutoFit/>
           </a:bodyPr>
           <a:lstStyle/>
@@ -10755,45 +11038,27 @@
                 <a:cs typeface="Arimo"/>
                 <a:sym typeface="Arimo"/>
               </a:rPr>
-              <a:t>User can choose the file here (</a:t>
-            </a:r>
-            <a:r>
-              <a:rPr lang="en-US" sz="3199" dirty="0" err="1">
-                <a:solidFill>
-                  <a:srgbClr val="0E1117"/>
-                </a:solidFill>
-                <a:latin typeface="Arimo"/>
-                <a:ea typeface="Arimo"/>
-                <a:cs typeface="Arimo"/>
-                <a:sym typeface="Arimo"/>
-              </a:rPr>
-              <a:t>json</a:t>
-            </a:r>
-            <a:r>
-              <a:rPr lang="en-US" sz="3199" dirty="0">
-                <a:solidFill>
-                  <a:srgbClr val="0E1117"/>
-                </a:solidFill>
-                <a:latin typeface="Arimo"/>
-                <a:ea typeface="Arimo"/>
-                <a:cs typeface="Arimo"/>
-                <a:sym typeface="Arimo"/>
-              </a:rPr>
-              <a:t> file only)  </a:t>
-            </a:r>
-          </a:p>
-        </p:txBody>
-      </p:sp>
-      <p:sp>
-        <p:nvSpPr>
-          <p:cNvPr id="5" name="TextBox 5"/>
+              <a:t>User can clear the chat and remove memory</a:t>
+            </a:r>
+          </a:p>
+        </p:txBody>
+      </p:sp>
+      <p:sp>
+        <p:nvSpPr>
+          <p:cNvPr id="18" name="TextBox 4">
+            <a:extLst>
+              <a:ext uri="{FF2B5EF4-FFF2-40B4-BE49-F238E27FC236}">
+                <a16:creationId xmlns:a16="http://schemas.microsoft.com/office/drawing/2014/main" id="{03B141E1-9819-C4AC-A23F-8B5E0F056845}"/>
+              </a:ext>
+            </a:extLst>
+          </p:cNvPr>
           <p:cNvSpPr txBox="1"/>
           <p:nvPr/>
         </p:nvSpPr>
         <p:spPr>
           <a:xfrm>
-            <a:off x="5124235" y="8614567"/>
-            <a:ext cx="7621592" cy="830266"/>
+            <a:off x="501913" y="523790"/>
+            <a:ext cx="4496996" cy="718145"/>
           </a:xfrm>
           <a:prstGeom prst="rect">
             <a:avLst/>
@@ -10807,633 +11072,87 @@
           <a:p>
             <a:pPr algn="l">
               <a:lnSpc>
-                <a:spcPts val="3075"/>
+                <a:spcPts val="5632"/>
               </a:lnSpc>
             </a:pPr>
             <a:r>
-              <a:rPr lang="en-US" sz="3199" dirty="0">
-                <a:solidFill>
-                  <a:srgbClr val="0E1117"/>
-                </a:solidFill>
-                <a:latin typeface="Arimo"/>
-                <a:ea typeface="Arimo"/>
-                <a:cs typeface="Arimo"/>
-                <a:sym typeface="Arimo"/>
-              </a:rPr>
-              <a:t>User can choose the target value </a:t>
-            </a:r>
-          </a:p>
-          <a:p>
-            <a:pPr algn="l">
-              <a:lnSpc>
-                <a:spcPts val="3075"/>
-              </a:lnSpc>
-            </a:pPr>
-            <a:r>
-              <a:rPr lang="en-US" sz="3199" dirty="0">
-                <a:solidFill>
-                  <a:srgbClr val="0E1117"/>
-                </a:solidFill>
-                <a:latin typeface="Arimo"/>
-                <a:ea typeface="Arimo"/>
-                <a:cs typeface="Arimo"/>
-                <a:sym typeface="Arimo"/>
-              </a:rPr>
-              <a:t>(Answer questions against Target value)  </a:t>
-            </a:r>
-          </a:p>
-        </p:txBody>
-      </p:sp>
-      <p:sp>
-        <p:nvSpPr>
-          <p:cNvPr id="6" name="TextBox 6"/>
-          <p:cNvSpPr txBox="1"/>
-          <p:nvPr/>
-        </p:nvSpPr>
-        <p:spPr>
-          <a:xfrm>
-            <a:off x="5124235" y="7723101"/>
-            <a:ext cx="8954671" cy="397545"/>
-          </a:xfrm>
-          <a:prstGeom prst="rect">
-            <a:avLst/>
-          </a:prstGeom>
-        </p:spPr>
-        <p:txBody>
-          <a:bodyPr lIns="0" tIns="0" rIns="0" bIns="0" rtlCol="0" anchor="t">
-            <a:spAutoFit/>
-          </a:bodyPr>
-          <a:lstStyle/>
-          <a:p>
-            <a:pPr algn="l">
-              <a:lnSpc>
-                <a:spcPts val="3075"/>
-              </a:lnSpc>
-            </a:pPr>
-            <a:r>
-              <a:rPr lang="zh-TW" altLang="en-US" sz="3199" dirty="0">
-                <a:solidFill>
-                  <a:srgbClr val="0E1117"/>
-                </a:solidFill>
-                <a:latin typeface="Arimo"/>
-                <a:ea typeface="Arimo"/>
-                <a:cs typeface="Arimo"/>
-                <a:sym typeface="Arimo"/>
+              <a:rPr lang="en-US" altLang="zh-TW" sz="6000" dirty="0">
+                <a:solidFill>
+                  <a:srgbClr val="000000"/>
+                </a:solidFill>
+                <a:latin typeface="Arimo Bold"/>
+                <a:ea typeface="Arimo Bold"/>
+                <a:cs typeface="Arimo Bold"/>
+                <a:sym typeface="Arimo Bold"/>
+              </a:rPr>
+              <a:t>Side</a:t>
+            </a:r>
+            <a:r>
+              <a:rPr lang="zh-TW" altLang="en-US" sz="6000" dirty="0">
+                <a:solidFill>
+                  <a:srgbClr val="000000"/>
+                </a:solidFill>
+                <a:latin typeface="Arimo Bold"/>
+                <a:ea typeface="Arimo Bold"/>
+                <a:cs typeface="Arimo Bold"/>
+                <a:sym typeface="Arimo Bold"/>
               </a:rPr>
               <a:t> </a:t>
             </a:r>
             <a:r>
-              <a:rPr lang="en-US" sz="3199" dirty="0">
-                <a:solidFill>
-                  <a:srgbClr val="0E1117"/>
-                </a:solidFill>
-                <a:latin typeface="Arimo"/>
-                <a:ea typeface="Arimo"/>
-                <a:cs typeface="Arimo"/>
-                <a:sym typeface="Arimo"/>
-              </a:rPr>
-              <a:t>User can clear the chat and remove memory</a:t>
-            </a:r>
-          </a:p>
-        </p:txBody>
-      </p:sp>
-      <p:sp>
-        <p:nvSpPr>
-          <p:cNvPr id="7" name="TextBox 7"/>
-          <p:cNvSpPr txBox="1"/>
-          <p:nvPr/>
-        </p:nvSpPr>
-        <p:spPr>
-          <a:xfrm>
-            <a:off x="5126693" y="1984344"/>
-            <a:ext cx="10882846" cy="397545"/>
-          </a:xfrm>
-          <a:prstGeom prst="rect">
-            <a:avLst/>
-          </a:prstGeom>
-        </p:spPr>
-        <p:txBody>
-          <a:bodyPr lIns="0" tIns="0" rIns="0" bIns="0" rtlCol="0" anchor="t">
-            <a:spAutoFit/>
-          </a:bodyPr>
-          <a:lstStyle/>
-          <a:p>
-            <a:pPr algn="l">
-              <a:lnSpc>
-                <a:spcPts val="3075"/>
-              </a:lnSpc>
-            </a:pPr>
-            <a:r>
-              <a:rPr lang="zh-TW" altLang="en-US" sz="3199" dirty="0">
-                <a:solidFill>
-                  <a:srgbClr val="0E1117"/>
-                </a:solidFill>
-                <a:latin typeface="Arimo"/>
-                <a:ea typeface="Arimo"/>
-                <a:cs typeface="Arimo"/>
-                <a:sym typeface="Arimo"/>
-              </a:rPr>
-              <a:t> </a:t>
-            </a:r>
-            <a:r>
-              <a:rPr lang="en-US" sz="3199" dirty="0">
-                <a:solidFill>
-                  <a:srgbClr val="0E1117"/>
-                </a:solidFill>
-                <a:latin typeface="Arimo"/>
-                <a:ea typeface="Arimo"/>
-                <a:cs typeface="Arimo"/>
-                <a:sym typeface="Arimo"/>
-              </a:rPr>
-              <a:t>Here is the project token and Id from Karma 360 </a:t>
-            </a:r>
-          </a:p>
-        </p:txBody>
-      </p:sp>
-      <p:sp>
-        <p:nvSpPr>
-          <p:cNvPr id="8" name="矩形 7">
+              <a:rPr lang="en-US" altLang="zh-TW" sz="6000" dirty="0">
+                <a:solidFill>
+                  <a:srgbClr val="000000"/>
+                </a:solidFill>
+                <a:latin typeface="Arimo Bold"/>
+                <a:ea typeface="Arimo Bold"/>
+                <a:cs typeface="Arimo Bold"/>
+                <a:sym typeface="Arimo Bold"/>
+              </a:rPr>
+              <a:t>bar</a:t>
+            </a:r>
+            <a:endParaRPr lang="en-US" sz="6000" dirty="0">
+              <a:solidFill>
+                <a:srgbClr val="000000"/>
+              </a:solidFill>
+              <a:latin typeface="Arimo Bold"/>
+              <a:ea typeface="Arimo Bold"/>
+              <a:cs typeface="Arimo Bold"/>
+              <a:sym typeface="Arimo Bold"/>
+            </a:endParaRPr>
+          </a:p>
+        </p:txBody>
+      </p:sp>
+      <p:pic>
+        <p:nvPicPr>
+          <p:cNvPr id="22" name="圖片 21">
             <a:extLst>
               <a:ext uri="{FF2B5EF4-FFF2-40B4-BE49-F238E27FC236}">
-                <a16:creationId xmlns:a16="http://schemas.microsoft.com/office/drawing/2014/main" id="{885684CB-9B86-F9E9-BED1-1B55C1728779}"/>
+                <a16:creationId xmlns:a16="http://schemas.microsoft.com/office/drawing/2014/main" id="{EBD4C6B9-894B-61FC-A449-CC112619D0A7}"/>
               </a:ext>
             </a:extLst>
           </p:cNvPr>
-          <p:cNvSpPr/>
+          <p:cNvPicPr>
+            <a:picLocks noChangeAspect="1"/>
+          </p:cNvPicPr>
           <p:nvPr/>
-        </p:nvSpPr>
-        <p:spPr>
-          <a:xfrm>
-            <a:off x="1066800" y="1257300"/>
-            <a:ext cx="3367225" cy="1828800"/>
-          </a:xfrm>
-          <a:prstGeom prst="rect">
-            <a:avLst/>
-          </a:prstGeom>
-          <a:noFill/>
-          <a:ln w="57150">
-            <a:solidFill>
-              <a:srgbClr val="FF0000"/>
-            </a:solidFill>
-          </a:ln>
-        </p:spPr>
-        <p:style>
-          <a:lnRef idx="2">
-            <a:schemeClr val="accent2">
-              <a:shade val="15000"/>
-            </a:schemeClr>
-          </a:lnRef>
-          <a:fillRef idx="1">
-            <a:schemeClr val="accent2"/>
-          </a:fillRef>
-          <a:effectRef idx="0">
-            <a:schemeClr val="accent2"/>
-          </a:effectRef>
-          <a:fontRef idx="minor">
-            <a:schemeClr val="lt1"/>
-          </a:fontRef>
-        </p:style>
-        <p:txBody>
-          <a:bodyPr rtlCol="0" anchor="ctr"/>
-          <a:lstStyle/>
-          <a:p>
-            <a:pPr algn="ctr"/>
-            <a:endParaRPr lang="zh-TW" altLang="en-US"/>
-          </a:p>
-        </p:txBody>
-      </p:sp>
-      <p:sp>
-        <p:nvSpPr>
-          <p:cNvPr id="9" name="矩形 8">
-            <a:extLst>
-              <a:ext uri="{FF2B5EF4-FFF2-40B4-BE49-F238E27FC236}">
-                <a16:creationId xmlns:a16="http://schemas.microsoft.com/office/drawing/2014/main" id="{75BE2B84-545E-C208-A94C-0559D4869923}"/>
-              </a:ext>
-            </a:extLst>
-          </p:cNvPr>
-          <p:cNvSpPr/>
-          <p:nvPr/>
-        </p:nvSpPr>
-        <p:spPr>
-          <a:xfrm>
-            <a:off x="1066800" y="3133538"/>
-            <a:ext cx="3367225" cy="914400"/>
-          </a:xfrm>
-          <a:prstGeom prst="rect">
-            <a:avLst/>
-          </a:prstGeom>
-          <a:noFill/>
-          <a:ln w="57150">
-            <a:solidFill>
-              <a:srgbClr val="FF0000"/>
-            </a:solidFill>
-          </a:ln>
-        </p:spPr>
-        <p:style>
-          <a:lnRef idx="2">
-            <a:schemeClr val="accent2">
-              <a:shade val="15000"/>
-            </a:schemeClr>
-          </a:lnRef>
-          <a:fillRef idx="1">
-            <a:schemeClr val="accent2"/>
-          </a:fillRef>
-          <a:effectRef idx="0">
-            <a:schemeClr val="accent2"/>
-          </a:effectRef>
-          <a:fontRef idx="minor">
-            <a:schemeClr val="lt1"/>
-          </a:fontRef>
-        </p:style>
-        <p:txBody>
-          <a:bodyPr rtlCol="0" anchor="ctr"/>
-          <a:lstStyle/>
-          <a:p>
-            <a:pPr algn="ctr"/>
-            <a:endParaRPr lang="zh-TW" altLang="en-US"/>
-          </a:p>
-        </p:txBody>
-      </p:sp>
-      <p:sp>
-        <p:nvSpPr>
-          <p:cNvPr id="10" name="矩形 9">
-            <a:extLst>
-              <a:ext uri="{FF2B5EF4-FFF2-40B4-BE49-F238E27FC236}">
-                <a16:creationId xmlns:a16="http://schemas.microsoft.com/office/drawing/2014/main" id="{583F3F56-2D83-FCCB-97F7-2D0185A2599C}"/>
-              </a:ext>
-            </a:extLst>
-          </p:cNvPr>
-          <p:cNvSpPr/>
-          <p:nvPr/>
-        </p:nvSpPr>
-        <p:spPr>
-          <a:xfrm>
-            <a:off x="1066799" y="4610100"/>
-            <a:ext cx="3367225" cy="1909790"/>
-          </a:xfrm>
-          <a:prstGeom prst="rect">
-            <a:avLst/>
-          </a:prstGeom>
-          <a:noFill/>
-          <a:ln w="57150">
-            <a:solidFill>
-              <a:srgbClr val="FF0000"/>
-            </a:solidFill>
-          </a:ln>
-        </p:spPr>
-        <p:style>
-          <a:lnRef idx="2">
-            <a:schemeClr val="accent2">
-              <a:shade val="15000"/>
-            </a:schemeClr>
-          </a:lnRef>
-          <a:fillRef idx="1">
-            <a:schemeClr val="accent2"/>
-          </a:fillRef>
-          <a:effectRef idx="0">
-            <a:schemeClr val="accent2"/>
-          </a:effectRef>
-          <a:fontRef idx="minor">
-            <a:schemeClr val="lt1"/>
-          </a:fontRef>
-        </p:style>
-        <p:txBody>
-          <a:bodyPr rtlCol="0" anchor="ctr"/>
-          <a:lstStyle/>
-          <a:p>
-            <a:pPr algn="ctr"/>
-            <a:endParaRPr lang="zh-TW" altLang="en-US"/>
-          </a:p>
-        </p:txBody>
-      </p:sp>
-      <p:sp>
-        <p:nvSpPr>
-          <p:cNvPr id="11" name="矩形 10">
-            <a:extLst>
-              <a:ext uri="{FF2B5EF4-FFF2-40B4-BE49-F238E27FC236}">
-                <a16:creationId xmlns:a16="http://schemas.microsoft.com/office/drawing/2014/main" id="{81E22BF2-EB6A-0017-6F76-EB704FF9436E}"/>
-              </a:ext>
-            </a:extLst>
-          </p:cNvPr>
-          <p:cNvSpPr/>
-          <p:nvPr/>
-        </p:nvSpPr>
-        <p:spPr>
-          <a:xfrm>
-            <a:off x="996104" y="7353299"/>
-            <a:ext cx="3367225" cy="1092357"/>
-          </a:xfrm>
-          <a:prstGeom prst="rect">
-            <a:avLst/>
-          </a:prstGeom>
-          <a:noFill/>
-          <a:ln w="57150">
-            <a:solidFill>
-              <a:srgbClr val="FF0000"/>
-            </a:solidFill>
-          </a:ln>
-        </p:spPr>
-        <p:style>
-          <a:lnRef idx="2">
-            <a:schemeClr val="accent2">
-              <a:shade val="15000"/>
-            </a:schemeClr>
-          </a:lnRef>
-          <a:fillRef idx="1">
-            <a:schemeClr val="accent2"/>
-          </a:fillRef>
-          <a:effectRef idx="0">
-            <a:schemeClr val="accent2"/>
-          </a:effectRef>
-          <a:fontRef idx="minor">
-            <a:schemeClr val="lt1"/>
-          </a:fontRef>
-        </p:style>
-        <p:txBody>
-          <a:bodyPr rtlCol="0" anchor="ctr"/>
-          <a:lstStyle/>
-          <a:p>
-            <a:pPr algn="ctr"/>
-            <a:endParaRPr lang="zh-TW" altLang="en-US"/>
-          </a:p>
-        </p:txBody>
-      </p:sp>
-      <p:sp>
-        <p:nvSpPr>
-          <p:cNvPr id="12" name="矩形 11">
-            <a:extLst>
-              <a:ext uri="{FF2B5EF4-FFF2-40B4-BE49-F238E27FC236}">
-                <a16:creationId xmlns:a16="http://schemas.microsoft.com/office/drawing/2014/main" id="{BC251AC5-A2ED-CE59-2C30-01CEC53079B2}"/>
-              </a:ext>
-            </a:extLst>
-          </p:cNvPr>
-          <p:cNvSpPr/>
-          <p:nvPr/>
-        </p:nvSpPr>
-        <p:spPr>
-          <a:xfrm>
-            <a:off x="996103" y="8483521"/>
-            <a:ext cx="3367225" cy="1092357"/>
-          </a:xfrm>
-          <a:prstGeom prst="rect">
-            <a:avLst/>
-          </a:prstGeom>
-          <a:noFill/>
-          <a:ln w="57150">
-            <a:solidFill>
-              <a:srgbClr val="FF0000"/>
-            </a:solidFill>
-          </a:ln>
-        </p:spPr>
-        <p:style>
-          <a:lnRef idx="2">
-            <a:schemeClr val="accent2">
-              <a:shade val="15000"/>
-            </a:schemeClr>
-          </a:lnRef>
-          <a:fillRef idx="1">
-            <a:schemeClr val="accent2"/>
-          </a:fillRef>
-          <a:effectRef idx="0">
-            <a:schemeClr val="accent2"/>
-          </a:effectRef>
-          <a:fontRef idx="minor">
-            <a:schemeClr val="lt1"/>
-          </a:fontRef>
-        </p:style>
-        <p:txBody>
-          <a:bodyPr rtlCol="0" anchor="ctr"/>
-          <a:lstStyle/>
-          <a:p>
-            <a:pPr algn="ctr"/>
-            <a:endParaRPr lang="zh-TW" altLang="en-US"/>
-          </a:p>
-        </p:txBody>
-      </p:sp>
-      <p:cxnSp>
-        <p:nvCxnSpPr>
-          <p:cNvPr id="14" name="直線接點 13">
-            <a:extLst>
-              <a:ext uri="{FF2B5EF4-FFF2-40B4-BE49-F238E27FC236}">
-                <a16:creationId xmlns:a16="http://schemas.microsoft.com/office/drawing/2014/main" id="{AD235FFC-7E7A-9704-84DA-10AD44B5751A}"/>
-              </a:ext>
-            </a:extLst>
-          </p:cNvPr>
-          <p:cNvCxnSpPr>
-            <a:stCxn id="5" idx="1"/>
-            <a:endCxn id="12" idx="3"/>
-          </p:cNvCxnSpPr>
-          <p:nvPr/>
-        </p:nvCxnSpPr>
-        <p:spPr>
-          <a:xfrm flipH="1">
-            <a:off x="4363328" y="9029700"/>
-            <a:ext cx="760907" cy="0"/>
-          </a:xfrm>
-          <a:prstGeom prst="line">
-            <a:avLst/>
-          </a:prstGeom>
-          <a:ln w="38100">
-            <a:solidFill>
-              <a:srgbClr val="FF0000"/>
-            </a:solidFill>
-          </a:ln>
-        </p:spPr>
-        <p:style>
-          <a:lnRef idx="1">
-            <a:schemeClr val="accent1"/>
-          </a:lnRef>
-          <a:fillRef idx="0">
-            <a:schemeClr val="accent1"/>
-          </a:fillRef>
-          <a:effectRef idx="0">
-            <a:schemeClr val="accent1"/>
-          </a:effectRef>
-          <a:fontRef idx="minor">
-            <a:schemeClr val="tx1"/>
-          </a:fontRef>
-        </p:style>
-      </p:cxnSp>
-      <p:cxnSp>
-        <p:nvCxnSpPr>
-          <p:cNvPr id="16" name="直線接點 15">
-            <a:extLst>
-              <a:ext uri="{FF2B5EF4-FFF2-40B4-BE49-F238E27FC236}">
-                <a16:creationId xmlns:a16="http://schemas.microsoft.com/office/drawing/2014/main" id="{8E71BD28-F134-1E19-DDFE-A69311EBE0B2}"/>
-              </a:ext>
-            </a:extLst>
-          </p:cNvPr>
-          <p:cNvCxnSpPr>
-            <a:cxnSpLocks/>
-            <a:stCxn id="6" idx="1"/>
-            <a:endCxn id="11" idx="3"/>
-          </p:cNvCxnSpPr>
-          <p:nvPr/>
-        </p:nvCxnSpPr>
-        <p:spPr>
-          <a:xfrm flipH="1" flipV="1">
-            <a:off x="4363329" y="7899478"/>
-            <a:ext cx="760906" cy="22396"/>
-          </a:xfrm>
-          <a:prstGeom prst="line">
-            <a:avLst/>
-          </a:prstGeom>
-          <a:ln w="38100">
-            <a:solidFill>
-              <a:srgbClr val="FF0000"/>
-            </a:solidFill>
-          </a:ln>
-        </p:spPr>
-        <p:style>
-          <a:lnRef idx="1">
-            <a:schemeClr val="accent1"/>
-          </a:lnRef>
-          <a:fillRef idx="0">
-            <a:schemeClr val="accent1"/>
-          </a:fillRef>
-          <a:effectRef idx="0">
-            <a:schemeClr val="accent1"/>
-          </a:effectRef>
-          <a:fontRef idx="minor">
-            <a:schemeClr val="tx1"/>
-          </a:fontRef>
-        </p:style>
-      </p:cxnSp>
-      <p:cxnSp>
-        <p:nvCxnSpPr>
-          <p:cNvPr id="21" name="直線接點 20">
-            <a:extLst>
-              <a:ext uri="{FF2B5EF4-FFF2-40B4-BE49-F238E27FC236}">
-                <a16:creationId xmlns:a16="http://schemas.microsoft.com/office/drawing/2014/main" id="{8A33CB81-CB3A-4AA0-2716-5C1B192BB99E}"/>
-              </a:ext>
-            </a:extLst>
-          </p:cNvPr>
-          <p:cNvCxnSpPr>
-            <a:cxnSpLocks/>
-            <a:stCxn id="4" idx="1"/>
-            <a:endCxn id="10" idx="3"/>
-          </p:cNvCxnSpPr>
-          <p:nvPr/>
-        </p:nvCxnSpPr>
-        <p:spPr>
-          <a:xfrm flipH="1" flipV="1">
-            <a:off x="4434024" y="5564995"/>
-            <a:ext cx="690211" cy="9845"/>
-          </a:xfrm>
-          <a:prstGeom prst="line">
-            <a:avLst/>
-          </a:prstGeom>
-          <a:ln w="38100">
-            <a:solidFill>
-              <a:srgbClr val="FF0000"/>
-            </a:solidFill>
-          </a:ln>
-        </p:spPr>
-        <p:style>
-          <a:lnRef idx="1">
-            <a:schemeClr val="accent1"/>
-          </a:lnRef>
-          <a:fillRef idx="0">
-            <a:schemeClr val="accent1"/>
-          </a:fillRef>
-          <a:effectRef idx="0">
-            <a:schemeClr val="accent1"/>
-          </a:effectRef>
-          <a:fontRef idx="minor">
-            <a:schemeClr val="tx1"/>
-          </a:fontRef>
-        </p:style>
-      </p:cxnSp>
-      <p:cxnSp>
-        <p:nvCxnSpPr>
-          <p:cNvPr id="26" name="直線接點 25">
-            <a:extLst>
-              <a:ext uri="{FF2B5EF4-FFF2-40B4-BE49-F238E27FC236}">
-                <a16:creationId xmlns:a16="http://schemas.microsoft.com/office/drawing/2014/main" id="{DB851E0A-7F81-48DE-5A57-CF30DA7A7C95}"/>
-              </a:ext>
-            </a:extLst>
-          </p:cNvPr>
-          <p:cNvCxnSpPr>
-            <a:cxnSpLocks/>
-            <a:stCxn id="3" idx="1"/>
-            <a:endCxn id="9" idx="3"/>
-          </p:cNvCxnSpPr>
-          <p:nvPr/>
-        </p:nvCxnSpPr>
-        <p:spPr>
-          <a:xfrm flipH="1">
-            <a:off x="4434025" y="3543300"/>
-            <a:ext cx="680378" cy="47438"/>
-          </a:xfrm>
-          <a:prstGeom prst="line">
-            <a:avLst/>
-          </a:prstGeom>
-          <a:ln w="38100">
-            <a:solidFill>
-              <a:srgbClr val="FF0000"/>
-            </a:solidFill>
-          </a:ln>
-        </p:spPr>
-        <p:style>
-          <a:lnRef idx="1">
-            <a:schemeClr val="accent1"/>
-          </a:lnRef>
-          <a:fillRef idx="0">
-            <a:schemeClr val="accent1"/>
-          </a:fillRef>
-          <a:effectRef idx="0">
-            <a:schemeClr val="accent1"/>
-          </a:effectRef>
-          <a:fontRef idx="minor">
-            <a:schemeClr val="tx1"/>
-          </a:fontRef>
-        </p:style>
-      </p:cxnSp>
-      <p:cxnSp>
-        <p:nvCxnSpPr>
-          <p:cNvPr id="31" name="直線接點 30">
-            <a:extLst>
-              <a:ext uri="{FF2B5EF4-FFF2-40B4-BE49-F238E27FC236}">
-                <a16:creationId xmlns:a16="http://schemas.microsoft.com/office/drawing/2014/main" id="{317A6BFE-0AFA-0C13-734C-95EB194B94F4}"/>
-              </a:ext>
-            </a:extLst>
-          </p:cNvPr>
-          <p:cNvCxnSpPr>
-            <a:cxnSpLocks/>
-            <a:stCxn id="7" idx="1"/>
-            <a:endCxn id="8" idx="3"/>
-          </p:cNvCxnSpPr>
-          <p:nvPr/>
-        </p:nvCxnSpPr>
-        <p:spPr>
-          <a:xfrm flipH="1" flipV="1">
-            <a:off x="4434025" y="2171700"/>
-            <a:ext cx="692668" cy="11417"/>
-          </a:xfrm>
-          <a:prstGeom prst="line">
-            <a:avLst/>
-          </a:prstGeom>
-          <a:ln w="38100">
-            <a:solidFill>
-              <a:srgbClr val="FF0000"/>
-            </a:solidFill>
-          </a:ln>
-        </p:spPr>
-        <p:style>
-          <a:lnRef idx="1">
-            <a:schemeClr val="accent1"/>
-          </a:lnRef>
-          <a:fillRef idx="0">
-            <a:schemeClr val="accent1"/>
-          </a:fillRef>
-          <a:effectRef idx="0">
-            <a:schemeClr val="accent1"/>
-          </a:effectRef>
-          <a:fontRef idx="minor">
-            <a:schemeClr val="tx1"/>
-          </a:fontRef>
-        </p:style>
-      </p:cxnSp>
+        </p:nvPicPr>
+        <p:blipFill>
+          <a:blip r:embed="rId3"/>
+          <a:stretch>
+            <a:fillRect/>
+          </a:stretch>
+        </p:blipFill>
+        <p:spPr>
+          <a:xfrm>
+            <a:off x="990600" y="1479371"/>
+            <a:ext cx="4008309" cy="8283839"/>
+          </a:xfrm>
+          <a:prstGeom prst="rect">
+            <a:avLst/>
+          </a:prstGeom>
+        </p:spPr>
+      </p:pic>
     </p:spTree>
   </p:cSld>
   <p:clrMapOvr>
@@ -11520,8 +11239,8 @@
         </p:nvSpPr>
         <p:spPr>
           <a:xfrm>
-            <a:off x="8699959" y="2473346"/>
-            <a:ext cx="8559341" cy="830215"/>
+            <a:off x="8865233" y="2705100"/>
+            <a:ext cx="8559341" cy="403252"/>
           </a:xfrm>
           <a:prstGeom prst="rect">
             <a:avLst/>
@@ -11539,7 +11258,7 @@
               </a:lnSpc>
             </a:pPr>
             <a:r>
-              <a:rPr lang="en-US" sz="3199">
+              <a:rPr lang="en-US" sz="3600" dirty="0">
                 <a:solidFill>
                   <a:srgbClr val="0E1117"/>
                 </a:solidFill>
@@ -11548,8 +11267,77 @@
                 <a:cs typeface="Arimo"/>
                 <a:sym typeface="Arimo"/>
               </a:rPr>
-              <a:t>User can also use text to explain the json file or features here</a:t>
-            </a:r>
+              <a:t>User can </a:t>
+            </a:r>
+            <a:r>
+              <a:rPr lang="en-US" altLang="zh-TW" sz="3600" dirty="0">
+                <a:solidFill>
+                  <a:srgbClr val="0E1117"/>
+                </a:solidFill>
+                <a:latin typeface="Arimo"/>
+                <a:ea typeface="Arimo"/>
+                <a:cs typeface="Arimo"/>
+                <a:sym typeface="Arimo"/>
+              </a:rPr>
+              <a:t>type</a:t>
+            </a:r>
+            <a:r>
+              <a:rPr lang="zh-TW" altLang="en-US" sz="3600" dirty="0">
+                <a:solidFill>
+                  <a:srgbClr val="0E1117"/>
+                </a:solidFill>
+                <a:latin typeface="Arimo"/>
+                <a:ea typeface="Arimo"/>
+                <a:cs typeface="Arimo"/>
+                <a:sym typeface="Arimo"/>
+              </a:rPr>
+              <a:t> </a:t>
+            </a:r>
+            <a:r>
+              <a:rPr lang="en-US" altLang="zh-TW" sz="3600" dirty="0">
+                <a:solidFill>
+                  <a:srgbClr val="0E1117"/>
+                </a:solidFill>
+                <a:latin typeface="Arimo"/>
+                <a:ea typeface="Arimo"/>
+                <a:cs typeface="Arimo"/>
+                <a:sym typeface="Arimo"/>
+              </a:rPr>
+              <a:t>metadata</a:t>
+            </a:r>
+            <a:r>
+              <a:rPr lang="zh-TW" altLang="en-US" sz="3600" dirty="0">
+                <a:solidFill>
+                  <a:srgbClr val="0E1117"/>
+                </a:solidFill>
+                <a:latin typeface="Arimo"/>
+                <a:ea typeface="Arimo"/>
+                <a:cs typeface="Arimo"/>
+                <a:sym typeface="Arimo"/>
+              </a:rPr>
+              <a:t> </a:t>
+            </a:r>
+            <a:r>
+              <a:rPr lang="en-US" altLang="zh-TW" sz="3600" dirty="0">
+                <a:solidFill>
+                  <a:srgbClr val="0E1117"/>
+                </a:solidFill>
+                <a:latin typeface="Arimo"/>
+                <a:ea typeface="Arimo"/>
+                <a:cs typeface="Arimo"/>
+                <a:sym typeface="Arimo"/>
+              </a:rPr>
+              <a:t>here</a:t>
+            </a:r>
+            <a:endParaRPr lang="en-US" sz="3600" dirty="0">
+              <a:solidFill>
+                <a:srgbClr val="0E1117"/>
+              </a:solidFill>
+              <a:latin typeface="Arimo"/>
+              <a:ea typeface="Arimo"/>
+              <a:cs typeface="Arimo"/>
+              <a:sym typeface="Arimo"/>
+            </a:endParaRPr>
           </a:p>
         </p:txBody>
       </p:sp>
@@ -11562,7 +11350,7 @@
         <p:spPr>
           <a:xfrm>
             <a:off x="8865234" y="5368090"/>
-            <a:ext cx="8559341" cy="439809"/>
+            <a:ext cx="8559341" cy="403252"/>
           </a:xfrm>
           <a:prstGeom prst="rect">
             <a:avLst/>
@@ -11580,7 +11368,7 @@
               </a:lnSpc>
             </a:pPr>
             <a:r>
-              <a:rPr lang="en-US" sz="3199">
+              <a:rPr lang="en-US" sz="3600" dirty="0">
                 <a:solidFill>
                   <a:srgbClr val="0E1117"/>
                 </a:solidFill>
@@ -11589,7 +11377,31 @@
                 <a:cs typeface="Arimo"/>
                 <a:sym typeface="Arimo"/>
               </a:rPr>
-              <a:t>Memorable(8 messenges only)</a:t>
+              <a:t>Memorable(8 </a:t>
+            </a:r>
+            <a:r>
+              <a:rPr lang="en-US" altLang="zh-TW" sz="3600" dirty="0">
+                <a:solidFill>
+                  <a:srgbClr val="0E1117"/>
+                </a:solidFill>
+                <a:latin typeface="Arimo"/>
+                <a:ea typeface="Arimo"/>
+                <a:cs typeface="Arimo"/>
+                <a:sym typeface="Arimo"/>
+              </a:rPr>
+              <a:t>messages</a:t>
+            </a:r>
+            <a:r>
+              <a:rPr lang="en-US" sz="3600" dirty="0">
+                <a:solidFill>
+                  <a:srgbClr val="0E1117"/>
+                </a:solidFill>
+                <a:latin typeface="Arimo"/>
+                <a:ea typeface="Arimo"/>
+                <a:cs typeface="Arimo"/>
+                <a:sym typeface="Arimo"/>
+              </a:rPr>
+              <a:t> only)</a:t>
             </a:r>
           </a:p>
         </p:txBody>
@@ -11602,8 +11414,8 @@
         </p:nvSpPr>
         <p:spPr>
           <a:xfrm>
-            <a:off x="8777208" y="8818491"/>
-            <a:ext cx="8559341" cy="439809"/>
+            <a:off x="8865234" y="8801100"/>
+            <a:ext cx="8559341" cy="403252"/>
           </a:xfrm>
           <a:prstGeom prst="rect">
             <a:avLst/>
@@ -11621,7 +11433,7 @@
               </a:lnSpc>
             </a:pPr>
             <a:r>
-              <a:rPr lang="en-US" sz="3199">
+              <a:rPr lang="en-US" sz="3600">
                 <a:solidFill>
                   <a:srgbClr val="0E1117"/>
                 </a:solidFill>
@@ -11632,110 +11444,6 @@
               </a:rPr>
               <a:t>Here to ask qusetion</a:t>
             </a:r>
-          </a:p>
-        </p:txBody>
-      </p:sp>
-      <p:sp>
-        <p:nvSpPr>
-          <p:cNvPr id="6" name="矩形 5">
-            <a:extLst>
-              <a:ext uri="{FF2B5EF4-FFF2-40B4-BE49-F238E27FC236}">
-                <a16:creationId xmlns:a16="http://schemas.microsoft.com/office/drawing/2014/main" id="{4142AF7E-C718-C8C1-CBF3-26BFA3AAD7DD}"/>
-              </a:ext>
-            </a:extLst>
-          </p:cNvPr>
-          <p:cNvSpPr/>
-          <p:nvPr/>
-        </p:nvSpPr>
-        <p:spPr>
-          <a:xfrm>
-            <a:off x="1319774" y="2211204"/>
-            <a:ext cx="6909826" cy="1408296"/>
-          </a:xfrm>
-          <a:prstGeom prst="rect">
-            <a:avLst/>
-          </a:prstGeom>
-          <a:noFill/>
-          <a:ln w="57150">
-            <a:solidFill>
-              <a:srgbClr val="FF0000"/>
-            </a:solidFill>
-          </a:ln>
-        </p:spPr>
-        <p:style>
-          <a:lnRef idx="2">
-            <a:schemeClr val="accent2">
-              <a:shade val="15000"/>
-            </a:schemeClr>
-          </a:lnRef>
-          <a:fillRef idx="1">
-            <a:schemeClr val="accent2"/>
-          </a:fillRef>
-          <a:effectRef idx="0">
-            <a:schemeClr val="accent2"/>
-          </a:effectRef>
-          <a:fontRef idx="minor">
-            <a:schemeClr val="lt1"/>
-          </a:fontRef>
-        </p:style>
-        <p:txBody>
-          <a:bodyPr rtlCol="0" anchor="ctr"/>
-          <a:lstStyle/>
-          <a:p>
-            <a:pPr algn="ctr"/>
-            <a:endParaRPr lang="zh-TW" altLang="en-US"/>
-          </a:p>
-        </p:txBody>
-      </p:sp>
-      <p:sp>
-        <p:nvSpPr>
-          <p:cNvPr id="7" name="矩形 6">
-            <a:extLst>
-              <a:ext uri="{FF2B5EF4-FFF2-40B4-BE49-F238E27FC236}">
-                <a16:creationId xmlns:a16="http://schemas.microsoft.com/office/drawing/2014/main" id="{F00E0DC7-A722-319B-D26A-E1F69C9862D6}"/>
-              </a:ext>
-            </a:extLst>
-          </p:cNvPr>
-          <p:cNvSpPr/>
-          <p:nvPr/>
-        </p:nvSpPr>
-        <p:spPr>
-          <a:xfrm>
-            <a:off x="1319774" y="8818491"/>
-            <a:ext cx="6909826" cy="516009"/>
-          </a:xfrm>
-          <a:prstGeom prst="rect">
-            <a:avLst/>
-          </a:prstGeom>
-          <a:noFill/>
-          <a:ln w="57150">
-            <a:solidFill>
-              <a:srgbClr val="FF0000"/>
-            </a:solidFill>
-          </a:ln>
-        </p:spPr>
-        <p:style>
-          <a:lnRef idx="2">
-            <a:schemeClr val="accent2">
-              <a:shade val="15000"/>
-            </a:schemeClr>
-          </a:lnRef>
-          <a:fillRef idx="1">
-            <a:schemeClr val="accent2"/>
-          </a:fillRef>
-          <a:effectRef idx="0">
-            <a:schemeClr val="accent2"/>
-          </a:effectRef>
-          <a:fontRef idx="minor">
-            <a:schemeClr val="lt1"/>
-          </a:fontRef>
-        </p:style>
-        <p:txBody>
-          <a:bodyPr rtlCol="0" anchor="ctr"/>
-          <a:lstStyle/>
-          <a:p>
-            <a:pPr algn="ctr"/>
-            <a:endParaRPr lang="zh-TW" altLang="en-US"/>
           </a:p>
         </p:txBody>
       </p:sp>
@@ -11772,7 +11480,7 @@
         </p:nvSpPr>
         <p:spPr>
           <a:xfrm>
-            <a:off x="1814066" y="7591765"/>
+            <a:off x="1933383" y="7618902"/>
             <a:ext cx="2095386" cy="931167"/>
           </a:xfrm>
           <a:prstGeom prst="rect">
@@ -11791,7 +11499,7 @@
               </a:lnSpc>
             </a:pPr>
             <a:r>
-              <a:rPr lang="en-US" sz="4200">
+              <a:rPr lang="en-US" sz="4000" dirty="0" err="1">
                 <a:solidFill>
                   <a:srgbClr val="000000"/>
                 </a:solidFill>
@@ -11800,7 +11508,19 @@
                 <a:cs typeface="Arimo Bold"/>
                 <a:sym typeface="Arimo Bold"/>
               </a:rPr>
-              <a:t>Ollama:</a:t>
+              <a:t>Ollama</a:t>
+            </a:r>
+            <a:r>
+              <a:rPr lang="en-US" sz="4000" dirty="0">
+                <a:solidFill>
+                  <a:srgbClr val="000000"/>
+                </a:solidFill>
+                <a:latin typeface="Arimo Bold"/>
+                <a:ea typeface="Arimo Bold"/>
+                <a:cs typeface="Arimo Bold"/>
+                <a:sym typeface="Arimo Bold"/>
+              </a:rPr>
+              <a:t>:</a:t>
             </a:r>
           </a:p>
           <a:p>
@@ -11809,7 +11529,7 @@
                 <a:spcPts val="3075"/>
               </a:lnSpc>
             </a:pPr>
-            <a:endParaRPr lang="en-US" sz="4200">
+            <a:endParaRPr lang="en-US" sz="4000" dirty="0">
               <a:solidFill>
                 <a:srgbClr val="000000"/>
               </a:solidFill>
@@ -11829,7 +11549,7 @@
         </p:nvSpPr>
         <p:spPr>
           <a:xfrm>
-            <a:off x="1666005" y="5219700"/>
+            <a:off x="1637931" y="2621737"/>
             <a:ext cx="2726254" cy="931167"/>
           </a:xfrm>
           <a:prstGeom prst="rect">
@@ -11848,7 +11568,7 @@
               </a:lnSpc>
             </a:pPr>
             <a:r>
-              <a:rPr lang="en-US" sz="4200">
+              <a:rPr lang="en-US" sz="4000" dirty="0" err="1">
                 <a:solidFill>
                   <a:srgbClr val="000000"/>
                 </a:solidFill>
@@ -11857,7 +11577,19 @@
                 <a:cs typeface="Arimo Bold"/>
                 <a:sym typeface="Arimo Bold"/>
               </a:rPr>
-              <a:t>Streamlit:</a:t>
+              <a:t>Streamlit</a:t>
+            </a:r>
+            <a:r>
+              <a:rPr lang="en-US" sz="4000" dirty="0">
+                <a:solidFill>
+                  <a:srgbClr val="000000"/>
+                </a:solidFill>
+                <a:latin typeface="Arimo Bold"/>
+                <a:ea typeface="Arimo Bold"/>
+                <a:cs typeface="Arimo Bold"/>
+                <a:sym typeface="Arimo Bold"/>
+              </a:rPr>
+              <a:t>:</a:t>
             </a:r>
           </a:p>
           <a:p>
@@ -11866,7 +11598,7 @@
                 <a:spcPts val="3075"/>
               </a:lnSpc>
             </a:pPr>
-            <a:endParaRPr lang="en-US" sz="4200">
+            <a:endParaRPr lang="en-US" sz="4000" dirty="0">
               <a:solidFill>
                 <a:srgbClr val="000000"/>
               </a:solidFill>
@@ -11886,7 +11618,7 @@
         </p:nvSpPr>
         <p:spPr>
           <a:xfrm>
-            <a:off x="1666005" y="2735252"/>
+            <a:off x="1670016" y="5077617"/>
             <a:ext cx="2726254" cy="931167"/>
           </a:xfrm>
           <a:prstGeom prst="rect">
@@ -11905,7 +11637,7 @@
               </a:lnSpc>
             </a:pPr>
             <a:r>
-              <a:rPr lang="en-US" sz="4200">
+              <a:rPr lang="en-US" sz="4000" dirty="0" err="1">
                 <a:solidFill>
                   <a:srgbClr val="000000"/>
                 </a:solidFill>
@@ -11914,7 +11646,19 @@
                 <a:cs typeface="Arimo Bold"/>
                 <a:sym typeface="Arimo Bold"/>
               </a:rPr>
-              <a:t>Langflow:</a:t>
+              <a:t>Langflow</a:t>
+            </a:r>
+            <a:r>
+              <a:rPr lang="en-US" sz="4200" dirty="0">
+                <a:solidFill>
+                  <a:srgbClr val="000000"/>
+                </a:solidFill>
+                <a:latin typeface="Arimo Bold"/>
+                <a:ea typeface="Arimo Bold"/>
+                <a:cs typeface="Arimo Bold"/>
+                <a:sym typeface="Arimo Bold"/>
+              </a:rPr>
+              <a:t>:</a:t>
             </a:r>
           </a:p>
           <a:p>
@@ -11923,7 +11667,7 @@
                 <a:spcPts val="3075"/>
               </a:lnSpc>
             </a:pPr>
-            <a:endParaRPr lang="en-US" sz="4200">
+            <a:endParaRPr lang="en-US" sz="4200" dirty="0">
               <a:solidFill>
                 <a:srgbClr val="000000"/>
               </a:solidFill>
@@ -11984,8 +11728,8 @@
         </p:nvSpPr>
         <p:spPr>
           <a:xfrm>
-            <a:off x="4658036" y="2619323"/>
-            <a:ext cx="12807262" cy="830214"/>
+            <a:off x="4629962" y="5190987"/>
+            <a:ext cx="12807262" cy="414922"/>
           </a:xfrm>
           <a:prstGeom prst="rect">
             <a:avLst/>
@@ -12003,7 +11747,7 @@
               </a:lnSpc>
             </a:pPr>
             <a:r>
-              <a:rPr lang="en-US" sz="3199">
+              <a:rPr lang="en-US" altLang="zh-TW" sz="4000" dirty="0">
                 <a:solidFill>
                   <a:srgbClr val="5B5F72"/>
                 </a:solidFill>
@@ -12012,8 +11756,53 @@
                 <a:cs typeface="Arimo Bold"/>
                 <a:sym typeface="Arimo Bold"/>
               </a:rPr>
-              <a:t>Simplifies AI application creation using a visual interface with components and API.</a:t>
-            </a:r>
+              <a:t>A</a:t>
+            </a:r>
+            <a:r>
+              <a:rPr lang="zh-TW" altLang="en-US" sz="4000" dirty="0">
+                <a:solidFill>
+                  <a:srgbClr val="5B5F72"/>
+                </a:solidFill>
+                <a:latin typeface="Arimo Bold"/>
+                <a:ea typeface="Arimo Bold"/>
+                <a:cs typeface="Arimo Bold"/>
+                <a:sym typeface="Arimo Bold"/>
+              </a:rPr>
+              <a:t> </a:t>
+            </a:r>
+            <a:r>
+              <a:rPr lang="en-US" sz="4000" dirty="0">
+                <a:solidFill>
+                  <a:srgbClr val="5B5F72"/>
+                </a:solidFill>
+                <a:latin typeface="Arimo Bold"/>
+                <a:ea typeface="Arimo Bold"/>
+                <a:cs typeface="Arimo Bold"/>
+                <a:sym typeface="Arimo Bold"/>
+              </a:rPr>
+              <a:t>GUI for </a:t>
+            </a:r>
+            <a:r>
+              <a:rPr lang="en-US" sz="4000" dirty="0" err="1">
+                <a:solidFill>
+                  <a:srgbClr val="5B5F72"/>
+                </a:solidFill>
+                <a:latin typeface="Arimo Bold"/>
+                <a:ea typeface="Arimo Bold"/>
+                <a:cs typeface="Arimo Bold"/>
+                <a:sym typeface="Arimo Bold"/>
+              </a:rPr>
+              <a:t>LangChain</a:t>
+            </a:r>
+            <a:endParaRPr lang="en-US" sz="4000" dirty="0">
+              <a:solidFill>
+                <a:srgbClr val="5B5F72"/>
+              </a:solidFill>
+              <a:latin typeface="Arimo Bold"/>
+              <a:ea typeface="Arimo Bold"/>
+              <a:cs typeface="Arimo Bold"/>
+              <a:sym typeface="Arimo Bold"/>
+            </a:endParaRPr>
           </a:p>
         </p:txBody>
       </p:sp>
@@ -12025,8 +11814,8 @@
         </p:nvSpPr>
         <p:spPr>
           <a:xfrm>
-            <a:off x="4658036" y="5310373"/>
-            <a:ext cx="12807262" cy="439809"/>
+            <a:off x="4629962" y="2712410"/>
+            <a:ext cx="12807262" cy="414922"/>
           </a:xfrm>
           <a:prstGeom prst="rect">
             <a:avLst/>
@@ -12044,7 +11833,7 @@
               </a:lnSpc>
             </a:pPr>
             <a:r>
-              <a:rPr lang="en-US" sz="3200">
+              <a:rPr lang="en-US" sz="4000" dirty="0">
                 <a:solidFill>
                   <a:srgbClr val="5B5F72"/>
                 </a:solidFill>
@@ -12066,8 +11855,8 @@
         </p:nvSpPr>
         <p:spPr>
           <a:xfrm>
-            <a:off x="4658036" y="7669564"/>
-            <a:ext cx="12807262" cy="439809"/>
+            <a:off x="4629962" y="7684870"/>
+            <a:ext cx="12807262" cy="414922"/>
           </a:xfrm>
           <a:prstGeom prst="rect">
             <a:avLst/>
@@ -12085,7 +11874,7 @@
               </a:lnSpc>
             </a:pPr>
             <a:r>
-              <a:rPr lang="en-US" sz="3199">
+              <a:rPr lang="en-US" sz="4000" dirty="0">
                 <a:solidFill>
                   <a:srgbClr val="5B5F72"/>
                 </a:solidFill>
@@ -12126,67 +11915,14 @@
       </p:grpSpPr>
       <p:sp>
         <p:nvSpPr>
-          <p:cNvPr id="2" name="Freeform 2"/>
-          <p:cNvSpPr/>
-          <p:nvPr/>
-        </p:nvSpPr>
-        <p:spPr>
-          <a:xfrm>
-            <a:off x="637876" y="1577420"/>
-            <a:ext cx="17012249" cy="8276525"/>
-          </a:xfrm>
-          <a:custGeom>
-            <a:avLst/>
-            <a:gdLst/>
-            <a:ahLst/>
-            <a:cxnLst/>
-            <a:rect l="l" t="t" r="r" b="b"/>
-            <a:pathLst>
-              <a:path w="17012249" h="8276525">
-                <a:moveTo>
-                  <a:pt x="0" y="0"/>
-                </a:moveTo>
-                <a:lnTo>
-                  <a:pt x="17012248" y="0"/>
-                </a:lnTo>
-                <a:lnTo>
-                  <a:pt x="17012248" y="8276525"/>
-                </a:lnTo>
-                <a:lnTo>
-                  <a:pt x="0" y="8276525"/>
-                </a:lnTo>
-                <a:lnTo>
-                  <a:pt x="0" y="0"/>
-                </a:lnTo>
-                <a:close/>
-              </a:path>
-            </a:pathLst>
-          </a:custGeom>
-          <a:blipFill>
-            <a:blip r:embed="rId3"/>
-            <a:stretch>
-              <a:fillRect/>
-            </a:stretch>
-          </a:blipFill>
-        </p:spPr>
-        <p:txBody>
-          <a:bodyPr/>
-          <a:lstStyle/>
-          <a:p>
-            <a:endParaRPr lang="zh-TW" altLang="en-US"/>
-          </a:p>
-        </p:txBody>
-      </p:sp>
-      <p:sp>
-        <p:nvSpPr>
           <p:cNvPr id="3" name="TextBox 3"/>
           <p:cNvSpPr txBox="1"/>
           <p:nvPr/>
         </p:nvSpPr>
         <p:spPr>
           <a:xfrm>
-            <a:off x="7449121" y="464054"/>
-            <a:ext cx="3389759" cy="789622"/>
+            <a:off x="7449120" y="153444"/>
+            <a:ext cx="3389759" cy="718145"/>
           </a:xfrm>
           <a:prstGeom prst="rect">
             <a:avLst/>
@@ -12204,7 +11940,7 @@
               </a:lnSpc>
             </a:pPr>
             <a:r>
-              <a:rPr lang="en-US" sz="6000">
+              <a:rPr lang="en-US" sz="4800" dirty="0" err="1">
                 <a:solidFill>
                   <a:srgbClr val="000000"/>
                 </a:solidFill>
@@ -12215,9 +11951,47 @@
               </a:rPr>
               <a:t>Langflow</a:t>
             </a:r>
-          </a:p>
-        </p:txBody>
-      </p:sp>
+            <a:endParaRPr lang="en-US" sz="4800" dirty="0">
+              <a:solidFill>
+                <a:srgbClr val="000000"/>
+              </a:solidFill>
+              <a:latin typeface="Arimo Bold"/>
+              <a:ea typeface="Arimo Bold"/>
+              <a:cs typeface="Arimo Bold"/>
+              <a:sym typeface="Arimo Bold"/>
+            </a:endParaRPr>
+          </a:p>
+        </p:txBody>
+      </p:sp>
+      <p:pic>
+        <p:nvPicPr>
+          <p:cNvPr id="5" name="圖片 4">
+            <a:extLst>
+              <a:ext uri="{FF2B5EF4-FFF2-40B4-BE49-F238E27FC236}">
+                <a16:creationId xmlns:a16="http://schemas.microsoft.com/office/drawing/2014/main" id="{3B44B018-7CC3-3D9B-92D1-D1FBB6888099}"/>
+              </a:ext>
+            </a:extLst>
+          </p:cNvPr>
+          <p:cNvPicPr>
+            <a:picLocks noChangeAspect="1"/>
+          </p:cNvPicPr>
+          <p:nvPr/>
+        </p:nvPicPr>
+        <p:blipFill rotWithShape="1">
+          <a:blip r:embed="rId3"/>
+          <a:srcRect l="1699"/>
+          <a:stretch/>
+        </p:blipFill>
+        <p:spPr>
+          <a:xfrm>
+            <a:off x="0" y="1253676"/>
+            <a:ext cx="18288000" cy="9033324"/>
+          </a:xfrm>
+          <a:prstGeom prst="rect">
+            <a:avLst/>
+          </a:prstGeom>
+        </p:spPr>
+      </p:pic>
     </p:spTree>
   </p:cSld>
   <p:clrMapOvr>
